--- a/Chapitre 4.pptx
+++ b/Chapitre 4.pptx
@@ -26,30 +26,38 @@
     <p:sldId id="300" r:id="rId20"/>
     <p:sldId id="263" r:id="rId21"/>
     <p:sldId id="264" r:id="rId22"/>
-    <p:sldId id="265" r:id="rId23"/>
-    <p:sldId id="266" r:id="rId24"/>
-    <p:sldId id="267" r:id="rId25"/>
-    <p:sldId id="268" r:id="rId26"/>
-    <p:sldId id="269" r:id="rId27"/>
-    <p:sldId id="270" r:id="rId28"/>
-    <p:sldId id="271" r:id="rId29"/>
-    <p:sldId id="272" r:id="rId30"/>
-    <p:sldId id="273" r:id="rId31"/>
-    <p:sldId id="274" r:id="rId32"/>
-    <p:sldId id="275" r:id="rId33"/>
-    <p:sldId id="276" r:id="rId34"/>
-    <p:sldId id="277" r:id="rId35"/>
-    <p:sldId id="278" r:id="rId36"/>
-    <p:sldId id="279" r:id="rId37"/>
-    <p:sldId id="280" r:id="rId38"/>
-    <p:sldId id="281" r:id="rId39"/>
-    <p:sldId id="282" r:id="rId40"/>
-    <p:sldId id="283" r:id="rId41"/>
-    <p:sldId id="284" r:id="rId42"/>
-    <p:sldId id="285" r:id="rId43"/>
-    <p:sldId id="286" r:id="rId44"/>
-    <p:sldId id="287" r:id="rId45"/>
-    <p:sldId id="288" r:id="rId46"/>
+    <p:sldId id="301" r:id="rId23"/>
+    <p:sldId id="302" r:id="rId24"/>
+    <p:sldId id="303" r:id="rId25"/>
+    <p:sldId id="304" r:id="rId26"/>
+    <p:sldId id="266" r:id="rId27"/>
+    <p:sldId id="305" r:id="rId28"/>
+    <p:sldId id="306" r:id="rId29"/>
+    <p:sldId id="307" r:id="rId30"/>
+    <p:sldId id="308" r:id="rId31"/>
+    <p:sldId id="309" r:id="rId32"/>
+    <p:sldId id="267" r:id="rId33"/>
+    <p:sldId id="268" r:id="rId34"/>
+    <p:sldId id="269" r:id="rId35"/>
+    <p:sldId id="270" r:id="rId36"/>
+    <p:sldId id="271" r:id="rId37"/>
+    <p:sldId id="272" r:id="rId38"/>
+    <p:sldId id="273" r:id="rId39"/>
+    <p:sldId id="274" r:id="rId40"/>
+    <p:sldId id="275" r:id="rId41"/>
+    <p:sldId id="276" r:id="rId42"/>
+    <p:sldId id="277" r:id="rId43"/>
+    <p:sldId id="278" r:id="rId44"/>
+    <p:sldId id="279" r:id="rId45"/>
+    <p:sldId id="280" r:id="rId46"/>
+    <p:sldId id="281" r:id="rId47"/>
+    <p:sldId id="282" r:id="rId48"/>
+    <p:sldId id="283" r:id="rId49"/>
+    <p:sldId id="284" r:id="rId50"/>
+    <p:sldId id="285" r:id="rId51"/>
+    <p:sldId id="286" r:id="rId52"/>
+    <p:sldId id="287" r:id="rId53"/>
+    <p:sldId id="288" r:id="rId54"/>
   </p:sldIdLst>
   <p:sldSz cx="12192000" cy="6858000"/>
   <p:notesSz cx="6858000" cy="9144000"/>
@@ -305,7 +313,7 @@
           <a:p>
             <a:fld id="{D782A682-DD39-4819-89F0-642635859CB9}" type="datetimeFigureOut">
               <a:rPr lang="fr-BE" smtClean="0"/>
-              <a:t>18-11-25</a:t>
+              <a:t>19-11-25</a:t>
             </a:fld>
             <a:endParaRPr lang="fr-BE"/>
           </a:p>
@@ -505,7 +513,7 @@
           <a:p>
             <a:fld id="{D782A682-DD39-4819-89F0-642635859CB9}" type="datetimeFigureOut">
               <a:rPr lang="fr-BE" smtClean="0"/>
-              <a:t>18-11-25</a:t>
+              <a:t>19-11-25</a:t>
             </a:fld>
             <a:endParaRPr lang="fr-BE"/>
           </a:p>
@@ -715,7 +723,7 @@
           <a:p>
             <a:fld id="{D782A682-DD39-4819-89F0-642635859CB9}" type="datetimeFigureOut">
               <a:rPr lang="fr-BE" smtClean="0"/>
-              <a:t>18-11-25</a:t>
+              <a:t>19-11-25</a:t>
             </a:fld>
             <a:endParaRPr lang="fr-BE"/>
           </a:p>
@@ -915,7 +923,7 @@
           <a:p>
             <a:fld id="{D782A682-DD39-4819-89F0-642635859CB9}" type="datetimeFigureOut">
               <a:rPr lang="fr-BE" smtClean="0"/>
-              <a:t>18-11-25</a:t>
+              <a:t>19-11-25</a:t>
             </a:fld>
             <a:endParaRPr lang="fr-BE"/>
           </a:p>
@@ -1191,7 +1199,7 @@
           <a:p>
             <a:fld id="{D782A682-DD39-4819-89F0-642635859CB9}" type="datetimeFigureOut">
               <a:rPr lang="fr-BE" smtClean="0"/>
-              <a:t>18-11-25</a:t>
+              <a:t>19-11-25</a:t>
             </a:fld>
             <a:endParaRPr lang="fr-BE"/>
           </a:p>
@@ -1459,7 +1467,7 @@
           <a:p>
             <a:fld id="{D782A682-DD39-4819-89F0-642635859CB9}" type="datetimeFigureOut">
               <a:rPr lang="fr-BE" smtClean="0"/>
-              <a:t>18-11-25</a:t>
+              <a:t>19-11-25</a:t>
             </a:fld>
             <a:endParaRPr lang="fr-BE"/>
           </a:p>
@@ -1874,7 +1882,7 @@
           <a:p>
             <a:fld id="{D782A682-DD39-4819-89F0-642635859CB9}" type="datetimeFigureOut">
               <a:rPr lang="fr-BE" smtClean="0"/>
-              <a:t>18-11-25</a:t>
+              <a:t>19-11-25</a:t>
             </a:fld>
             <a:endParaRPr lang="fr-BE"/>
           </a:p>
@@ -2016,7 +2024,7 @@
           <a:p>
             <a:fld id="{D782A682-DD39-4819-89F0-642635859CB9}" type="datetimeFigureOut">
               <a:rPr lang="fr-BE" smtClean="0"/>
-              <a:t>18-11-25</a:t>
+              <a:t>19-11-25</a:t>
             </a:fld>
             <a:endParaRPr lang="fr-BE"/>
           </a:p>
@@ -2129,7 +2137,7 @@
           <a:p>
             <a:fld id="{D782A682-DD39-4819-89F0-642635859CB9}" type="datetimeFigureOut">
               <a:rPr lang="fr-BE" smtClean="0"/>
-              <a:t>18-11-25</a:t>
+              <a:t>19-11-25</a:t>
             </a:fld>
             <a:endParaRPr lang="fr-BE"/>
           </a:p>
@@ -2442,7 +2450,7 @@
           <a:p>
             <a:fld id="{D782A682-DD39-4819-89F0-642635859CB9}" type="datetimeFigureOut">
               <a:rPr lang="fr-BE" smtClean="0"/>
-              <a:t>18-11-25</a:t>
+              <a:t>19-11-25</a:t>
             </a:fld>
             <a:endParaRPr lang="fr-BE"/>
           </a:p>
@@ -2731,7 +2739,7 @@
           <a:p>
             <a:fld id="{D782A682-DD39-4819-89F0-642635859CB9}" type="datetimeFigureOut">
               <a:rPr lang="fr-BE" smtClean="0"/>
-              <a:t>18-11-25</a:t>
+              <a:t>19-11-25</a:t>
             </a:fld>
             <a:endParaRPr lang="fr-BE"/>
           </a:p>
@@ -2974,7 +2982,7 @@
           <a:p>
             <a:fld id="{D782A682-DD39-4819-89F0-642635859CB9}" type="datetimeFigureOut">
               <a:rPr lang="fr-BE" smtClean="0"/>
-              <a:t>18-11-25</a:t>
+              <a:t>19-11-25</a:t>
             </a:fld>
             <a:endParaRPr lang="fr-BE"/>
           </a:p>
@@ -5622,10 +5630,48 @@
             </a:r>
           </a:p>
           <a:p>
+            <a:pPr lvl="1"/>
+            <a:r>
+              <a:rPr lang="fr-BE" dirty="0"/>
+              <a:t>Git commit</a:t>
+            </a:r>
+          </a:p>
+          <a:p>
+            <a:pPr lvl="1"/>
             <a:endParaRPr lang="fr-BE" dirty="0"/>
           </a:p>
         </p:txBody>
       </p:sp>
+      <p:pic>
+        <p:nvPicPr>
+          <p:cNvPr id="6" name="Image 5">
+            <a:extLst>
+              <a:ext uri="{FF2B5EF4-FFF2-40B4-BE49-F238E27FC236}">
+                <a16:creationId xmlns:a16="http://schemas.microsoft.com/office/drawing/2014/main" id="{E7049AC2-9AAF-49B1-B806-3CC6841AB52F}"/>
+              </a:ext>
+            </a:extLst>
+          </p:cNvPr>
+          <p:cNvPicPr>
+            <a:picLocks noChangeAspect="1"/>
+          </p:cNvPicPr>
+          <p:nvPr/>
+        </p:nvPicPr>
+        <p:blipFill>
+          <a:blip r:embed="rId2"/>
+          <a:stretch>
+            <a:fillRect/>
+          </a:stretch>
+        </p:blipFill>
+        <p:spPr>
+          <a:xfrm>
+            <a:off x="3558339" y="2109879"/>
+            <a:ext cx="7795461" cy="4337945"/>
+          </a:xfrm>
+          <a:prstGeom prst="rect">
+            <a:avLst/>
+          </a:prstGeom>
+        </p:spPr>
+      </p:pic>
     </p:spTree>
     <p:extLst>
       <p:ext uri="{BB962C8B-B14F-4D97-AF65-F5344CB8AC3E}">
@@ -5714,6 +5760,36 @@
           </a:p>
         </p:txBody>
       </p:sp>
+      <p:pic>
+        <p:nvPicPr>
+          <p:cNvPr id="4" name="Image 3">
+            <a:extLst>
+              <a:ext uri="{FF2B5EF4-FFF2-40B4-BE49-F238E27FC236}">
+                <a16:creationId xmlns:a16="http://schemas.microsoft.com/office/drawing/2014/main" id="{1FB1C405-1D31-465A-BAFC-BA7BB17772A9}"/>
+              </a:ext>
+            </a:extLst>
+          </p:cNvPr>
+          <p:cNvPicPr>
+            <a:picLocks noChangeAspect="1"/>
+          </p:cNvPicPr>
+          <p:nvPr/>
+        </p:nvPicPr>
+        <p:blipFill>
+          <a:blip r:embed="rId2"/>
+          <a:stretch>
+            <a:fillRect/>
+          </a:stretch>
+        </p:blipFill>
+        <p:spPr>
+          <a:xfrm>
+            <a:off x="3774868" y="2310816"/>
+            <a:ext cx="7773485" cy="4182059"/>
+          </a:xfrm>
+          <a:prstGeom prst="rect">
+            <a:avLst/>
+          </a:prstGeom>
+        </p:spPr>
+      </p:pic>
     </p:spTree>
     <p:extLst>
       <p:ext uri="{BB962C8B-B14F-4D97-AF65-F5344CB8AC3E}">
@@ -5810,43 +5886,63 @@
               <a:rPr lang="fr-BE" dirty="0" err="1"/>
               <a:t>branch</a:t>
             </a:r>
-            <a:endParaRPr lang="fr-BE" dirty="0"/>
-          </a:p>
-          <a:p>
-            <a:pPr lvl="1"/>
-            <a:r>
-              <a:rPr lang="fr-BE" dirty="0"/>
-              <a:t>Git </a:t>
+            <a:r>
+              <a:rPr lang="fr-BE" dirty="0"/>
+              <a:t> (ex : git </a:t>
             </a:r>
             <a:r>
               <a:rPr lang="fr-BE" dirty="0" err="1"/>
-              <a:t>checkout</a:t>
-            </a:r>
-            <a:endParaRPr lang="fr-BE" dirty="0"/>
-          </a:p>
-          <a:p>
-            <a:pPr lvl="1"/>
-            <a:r>
-              <a:rPr lang="fr-BE" dirty="0"/>
-              <a:t>Git commit</a:t>
-            </a:r>
-          </a:p>
-          <a:p>
-            <a:pPr lvl="1"/>
-            <a:r>
-              <a:rPr lang="fr-BE" dirty="0"/>
-              <a:t>Git log</a:t>
-            </a:r>
-          </a:p>
-          <a:p>
-            <a:endParaRPr lang="fr-BE" dirty="0"/>
-          </a:p>
-        </p:txBody>
-      </p:sp>
+              <a:t>branch</a:t>
+            </a:r>
+            <a:r>
+              <a:rPr lang="fr-BE" dirty="0"/>
+              <a:t> </a:t>
+            </a:r>
+            <a:r>
+              <a:rPr lang="fr-BE" dirty="0" err="1"/>
+              <a:t>testing</a:t>
+            </a:r>
+            <a:r>
+              <a:rPr lang="fr-BE" dirty="0"/>
+              <a:t>)</a:t>
+            </a:r>
+          </a:p>
+        </p:txBody>
+      </p:sp>
+      <p:pic>
+        <p:nvPicPr>
+          <p:cNvPr id="5" name="Image 4">
+            <a:extLst>
+              <a:ext uri="{FF2B5EF4-FFF2-40B4-BE49-F238E27FC236}">
+                <a16:creationId xmlns:a16="http://schemas.microsoft.com/office/drawing/2014/main" id="{352F9649-CDEC-4083-A08F-61EC6E8D7C77}"/>
+              </a:ext>
+            </a:extLst>
+          </p:cNvPr>
+          <p:cNvPicPr>
+            <a:picLocks noChangeAspect="1"/>
+          </p:cNvPicPr>
+          <p:nvPr/>
+        </p:nvPicPr>
+        <p:blipFill>
+          <a:blip r:embed="rId2"/>
+          <a:stretch>
+            <a:fillRect/>
+          </a:stretch>
+        </p:blipFill>
+        <p:spPr>
+          <a:xfrm>
+            <a:off x="4748871" y="2643370"/>
+            <a:ext cx="6604929" cy="3668530"/>
+          </a:xfrm>
+          <a:prstGeom prst="rect">
+            <a:avLst/>
+          </a:prstGeom>
+        </p:spPr>
+      </p:pic>
     </p:spTree>
     <p:extLst>
       <p:ext uri="{BB962C8B-B14F-4D97-AF65-F5344CB8AC3E}">
-        <p14:creationId xmlns:p14="http://schemas.microsoft.com/office/powerpoint/2010/main" val="4056031819"/>
+        <p14:creationId xmlns:p14="http://schemas.microsoft.com/office/powerpoint/2010/main" val="231704002"/>
       </p:ext>
     </p:extLst>
   </p:cSld>
@@ -5878,7 +5974,7 @@
           <p:cNvPr id="2" name="Titre 1">
             <a:extLst>
               <a:ext uri="{FF2B5EF4-FFF2-40B4-BE49-F238E27FC236}">
-                <a16:creationId xmlns:a16="http://schemas.microsoft.com/office/drawing/2014/main" id="{12426C71-2E18-7D2F-D413-49F0574D7ED6}"/>
+                <a16:creationId xmlns:a16="http://schemas.microsoft.com/office/drawing/2014/main" id="{F32044BE-64C2-3CF8-0E9B-F9071EDB1DA5}"/>
               </a:ext>
             </a:extLst>
           </p:cNvPr>
@@ -5906,7 +6002,7 @@
           <p:cNvPr id="3" name="Espace réservé du contenu 2">
             <a:extLst>
               <a:ext uri="{FF2B5EF4-FFF2-40B4-BE49-F238E27FC236}">
-                <a16:creationId xmlns:a16="http://schemas.microsoft.com/office/drawing/2014/main" id="{9A316352-F52A-801C-3C7A-70C8B01EB79E}"/>
+                <a16:creationId xmlns:a16="http://schemas.microsoft.com/office/drawing/2014/main" id="{7E5FAA93-9AD6-3B5B-0E37-07D29BC02BF4}"/>
               </a:ext>
             </a:extLst>
           </p:cNvPr>
@@ -5919,75 +6015,26 @@
         </p:nvSpPr>
         <p:spPr/>
         <p:txBody>
-          <a:bodyPr/>
-          <a:lstStyle/>
-          <a:p>
-            <a:r>
-              <a:rPr lang="fr-BE" dirty="0"/>
-              <a:t>Les branches et fusion</a:t>
+          <a:bodyPr>
+            <a:normAutofit/>
+          </a:bodyPr>
+          <a:lstStyle/>
+          <a:p>
+            <a:r>
+              <a:rPr lang="fr-BE" dirty="0"/>
+              <a:t>Les branches</a:t>
             </a:r>
           </a:p>
           <a:p>
             <a:pPr lvl="1"/>
             <a:r>
               <a:rPr lang="fr-BE" dirty="0"/>
-              <a:t>Git merge</a:t>
-            </a:r>
-          </a:p>
-          <a:p>
-            <a:pPr lvl="1"/>
-            <a:r>
-              <a:rPr lang="fr-BE" dirty="0"/>
               <a:t>Git </a:t>
             </a:r>
             <a:r>
               <a:rPr lang="fr-BE" dirty="0" err="1"/>
-              <a:t>mergetool</a:t>
-            </a:r>
-            <a:r>
-              <a:rPr lang="fr-BE" dirty="0"/>
-              <a:t> / git </a:t>
-            </a:r>
-            <a:r>
-              <a:rPr lang="fr-BE" dirty="0" err="1"/>
-              <a:t>opendiff</a:t>
-            </a:r>
-            <a:endParaRPr lang="fr-BE" dirty="0"/>
-          </a:p>
-          <a:p>
-            <a:pPr lvl="1"/>
-            <a:r>
-              <a:rPr lang="fr-BE" dirty="0"/>
-              <a:t>Git push</a:t>
-            </a:r>
-          </a:p>
-          <a:p>
-            <a:pPr lvl="1"/>
-            <a:r>
-              <a:rPr lang="fr-BE" dirty="0"/>
-              <a:t>Git </a:t>
-            </a:r>
-            <a:r>
-              <a:rPr lang="fr-BE" dirty="0" err="1"/>
-              <a:t>fetch</a:t>
-            </a:r>
-            <a:endParaRPr lang="fr-BE" dirty="0"/>
-          </a:p>
-          <a:p>
-            <a:pPr lvl="1"/>
-            <a:r>
-              <a:rPr lang="fr-BE" dirty="0"/>
-              <a:t>Git push</a:t>
-            </a:r>
-          </a:p>
-          <a:p>
-            <a:pPr lvl="1"/>
-            <a:r>
-              <a:rPr lang="fr-BE" dirty="0"/>
-              <a:t>Git rebase</a:t>
-            </a:r>
-          </a:p>
-          <a:p>
+              <a:t>checkout</a:t>
+            </a:r>
             <a:endParaRPr lang="fr-BE" dirty="0"/>
           </a:p>
         </p:txBody>
@@ -5995,7 +6042,7 @@
     </p:spTree>
     <p:extLst>
       <p:ext uri="{BB962C8B-B14F-4D97-AF65-F5344CB8AC3E}">
-        <p14:creationId xmlns:p14="http://schemas.microsoft.com/office/powerpoint/2010/main" val="3807068009"/>
+        <p14:creationId xmlns:p14="http://schemas.microsoft.com/office/powerpoint/2010/main" val="2363306213"/>
       </p:ext>
     </p:extLst>
   </p:cSld>
@@ -6027,7 +6074,7 @@
           <p:cNvPr id="2" name="Titre 1">
             <a:extLst>
               <a:ext uri="{FF2B5EF4-FFF2-40B4-BE49-F238E27FC236}">
-                <a16:creationId xmlns:a16="http://schemas.microsoft.com/office/drawing/2014/main" id="{A3A96367-EDE5-14F8-5B05-A7FFE9ACA149}"/>
+                <a16:creationId xmlns:a16="http://schemas.microsoft.com/office/drawing/2014/main" id="{F32044BE-64C2-3CF8-0E9B-F9071EDB1DA5}"/>
               </a:ext>
             </a:extLst>
           </p:cNvPr>
@@ -6043,7 +6090,10 @@
           <a:bodyPr/>
           <a:lstStyle/>
           <a:p>
-            <a:endParaRPr lang="fr-BE"/>
+            <a:r>
+              <a:rPr lang="fr-BE" dirty="0"/>
+              <a:t>2. Contrôle de version - GIT</a:t>
+            </a:r>
           </a:p>
         </p:txBody>
       </p:sp>
@@ -6052,7 +6102,7 @@
           <p:cNvPr id="3" name="Espace réservé du contenu 2">
             <a:extLst>
               <a:ext uri="{FF2B5EF4-FFF2-40B4-BE49-F238E27FC236}">
-                <a16:creationId xmlns:a16="http://schemas.microsoft.com/office/drawing/2014/main" id="{BEBDA8D6-3C56-AA39-9672-479CC75C17AE}"/>
+                <a16:creationId xmlns:a16="http://schemas.microsoft.com/office/drawing/2014/main" id="{7E5FAA93-9AD6-3B5B-0E37-07D29BC02BF4}"/>
               </a:ext>
             </a:extLst>
           </p:cNvPr>
@@ -6065,17 +6115,29 @@
         </p:nvSpPr>
         <p:spPr/>
         <p:txBody>
-          <a:bodyPr/>
-          <a:lstStyle/>
-          <a:p>
-            <a:endParaRPr lang="fr-BE"/>
+          <a:bodyPr>
+            <a:normAutofit/>
+          </a:bodyPr>
+          <a:lstStyle/>
+          <a:p>
+            <a:r>
+              <a:rPr lang="fr-BE" dirty="0"/>
+              <a:t>Les branches</a:t>
+            </a:r>
+          </a:p>
+          <a:p>
+            <a:pPr lvl="1"/>
+            <a:r>
+              <a:rPr lang="fr-BE" dirty="0"/>
+              <a:t>Git commit</a:t>
+            </a:r>
           </a:p>
         </p:txBody>
       </p:sp>
     </p:spTree>
     <p:extLst>
       <p:ext uri="{BB962C8B-B14F-4D97-AF65-F5344CB8AC3E}">
-        <p14:creationId xmlns:p14="http://schemas.microsoft.com/office/powerpoint/2010/main" val="799153160"/>
+        <p14:creationId xmlns:p14="http://schemas.microsoft.com/office/powerpoint/2010/main" val="4168066524"/>
       </p:ext>
     </p:extLst>
   </p:cSld>
@@ -6107,7 +6169,7 @@
           <p:cNvPr id="2" name="Titre 1">
             <a:extLst>
               <a:ext uri="{FF2B5EF4-FFF2-40B4-BE49-F238E27FC236}">
-                <a16:creationId xmlns:a16="http://schemas.microsoft.com/office/drawing/2014/main" id="{14C9EE1C-937B-4C1E-77D9-7D7E5CD96CBE}"/>
+                <a16:creationId xmlns:a16="http://schemas.microsoft.com/office/drawing/2014/main" id="{F32044BE-64C2-3CF8-0E9B-F9071EDB1DA5}"/>
               </a:ext>
             </a:extLst>
           </p:cNvPr>
@@ -6123,7 +6185,10 @@
           <a:bodyPr/>
           <a:lstStyle/>
           <a:p>
-            <a:endParaRPr lang="fr-BE"/>
+            <a:r>
+              <a:rPr lang="fr-BE" dirty="0"/>
+              <a:t>2. Contrôle de version - GIT</a:t>
+            </a:r>
           </a:p>
         </p:txBody>
       </p:sp>
@@ -6132,7 +6197,7 @@
           <p:cNvPr id="3" name="Espace réservé du contenu 2">
             <a:extLst>
               <a:ext uri="{FF2B5EF4-FFF2-40B4-BE49-F238E27FC236}">
-                <a16:creationId xmlns:a16="http://schemas.microsoft.com/office/drawing/2014/main" id="{EB866E64-EDA6-7EF8-DC49-EAF399BB4330}"/>
+                <a16:creationId xmlns:a16="http://schemas.microsoft.com/office/drawing/2014/main" id="{7E5FAA93-9AD6-3B5B-0E37-07D29BC02BF4}"/>
               </a:ext>
             </a:extLst>
           </p:cNvPr>
@@ -6145,17 +6210,32 @@
         </p:nvSpPr>
         <p:spPr/>
         <p:txBody>
-          <a:bodyPr/>
-          <a:lstStyle/>
-          <a:p>
-            <a:endParaRPr lang="fr-BE"/>
+          <a:bodyPr>
+            <a:normAutofit/>
+          </a:bodyPr>
+          <a:lstStyle/>
+          <a:p>
+            <a:r>
+              <a:rPr lang="fr-BE" dirty="0"/>
+              <a:t>Les branches</a:t>
+            </a:r>
+          </a:p>
+          <a:p>
+            <a:pPr lvl="1"/>
+            <a:r>
+              <a:rPr lang="fr-BE" dirty="0"/>
+              <a:t>Git log</a:t>
+            </a:r>
+          </a:p>
+          <a:p>
+            <a:endParaRPr lang="fr-BE" dirty="0"/>
           </a:p>
         </p:txBody>
       </p:sp>
     </p:spTree>
     <p:extLst>
       <p:ext uri="{BB962C8B-B14F-4D97-AF65-F5344CB8AC3E}">
-        <p14:creationId xmlns:p14="http://schemas.microsoft.com/office/powerpoint/2010/main" val="301329275"/>
+        <p14:creationId xmlns:p14="http://schemas.microsoft.com/office/powerpoint/2010/main" val="2524334341"/>
       </p:ext>
     </p:extLst>
   </p:cSld>
@@ -6187,7 +6267,7 @@
           <p:cNvPr id="2" name="Titre 1">
             <a:extLst>
               <a:ext uri="{FF2B5EF4-FFF2-40B4-BE49-F238E27FC236}">
-                <a16:creationId xmlns:a16="http://schemas.microsoft.com/office/drawing/2014/main" id="{11D554A0-B6C6-8A4B-82F6-1AA1BF45CF5E}"/>
+                <a16:creationId xmlns:a16="http://schemas.microsoft.com/office/drawing/2014/main" id="{12426C71-2E18-7D2F-D413-49F0574D7ED6}"/>
               </a:ext>
             </a:extLst>
           </p:cNvPr>
@@ -6203,7 +6283,10 @@
           <a:bodyPr/>
           <a:lstStyle/>
           <a:p>
-            <a:endParaRPr lang="fr-BE"/>
+            <a:r>
+              <a:rPr lang="fr-BE" dirty="0"/>
+              <a:t>2. Contrôle de version - GIT</a:t>
+            </a:r>
           </a:p>
         </p:txBody>
       </p:sp>
@@ -6212,7 +6295,7 @@
           <p:cNvPr id="3" name="Espace réservé du contenu 2">
             <a:extLst>
               <a:ext uri="{FF2B5EF4-FFF2-40B4-BE49-F238E27FC236}">
-                <a16:creationId xmlns:a16="http://schemas.microsoft.com/office/drawing/2014/main" id="{B7D2B228-2205-6947-EFD2-17EC30A01113}"/>
+                <a16:creationId xmlns:a16="http://schemas.microsoft.com/office/drawing/2014/main" id="{9A316352-F52A-801C-3C7A-70C8B01EB79E}"/>
               </a:ext>
             </a:extLst>
           </p:cNvPr>
@@ -6228,14 +6311,24 @@
           <a:bodyPr/>
           <a:lstStyle/>
           <a:p>
-            <a:endParaRPr lang="fr-BE"/>
+            <a:r>
+              <a:rPr lang="fr-BE" dirty="0"/>
+              <a:t>Les branches et fusion</a:t>
+            </a:r>
+          </a:p>
+          <a:p>
+            <a:pPr lvl="1"/>
+            <a:r>
+              <a:rPr lang="fr-BE" dirty="0"/>
+              <a:t>Git merge</a:t>
+            </a:r>
           </a:p>
         </p:txBody>
       </p:sp>
     </p:spTree>
     <p:extLst>
       <p:ext uri="{BB962C8B-B14F-4D97-AF65-F5344CB8AC3E}">
-        <p14:creationId xmlns:p14="http://schemas.microsoft.com/office/powerpoint/2010/main" val="2385822855"/>
+        <p14:creationId xmlns:p14="http://schemas.microsoft.com/office/powerpoint/2010/main" val="3807068009"/>
       </p:ext>
     </p:extLst>
   </p:cSld>
@@ -6267,7 +6360,7 @@
           <p:cNvPr id="2" name="Titre 1">
             <a:extLst>
               <a:ext uri="{FF2B5EF4-FFF2-40B4-BE49-F238E27FC236}">
-                <a16:creationId xmlns:a16="http://schemas.microsoft.com/office/drawing/2014/main" id="{8C44EFD1-0942-53AD-0922-D0AE187438B0}"/>
+                <a16:creationId xmlns:a16="http://schemas.microsoft.com/office/drawing/2014/main" id="{12426C71-2E18-7D2F-D413-49F0574D7ED6}"/>
               </a:ext>
             </a:extLst>
           </p:cNvPr>
@@ -6283,7 +6376,10 @@
           <a:bodyPr/>
           <a:lstStyle/>
           <a:p>
-            <a:endParaRPr lang="fr-BE"/>
+            <a:r>
+              <a:rPr lang="fr-BE" dirty="0"/>
+              <a:t>2. Contrôle de version - GIT</a:t>
+            </a:r>
           </a:p>
         </p:txBody>
       </p:sp>
@@ -6292,7 +6388,7 @@
           <p:cNvPr id="3" name="Espace réservé du contenu 2">
             <a:extLst>
               <a:ext uri="{FF2B5EF4-FFF2-40B4-BE49-F238E27FC236}">
-                <a16:creationId xmlns:a16="http://schemas.microsoft.com/office/drawing/2014/main" id="{B2AC8E24-1FAD-9A1B-7C35-B5640EADC1F5}"/>
+                <a16:creationId xmlns:a16="http://schemas.microsoft.com/office/drawing/2014/main" id="{9A316352-F52A-801C-3C7A-70C8B01EB79E}"/>
               </a:ext>
             </a:extLst>
           </p:cNvPr>
@@ -6308,14 +6404,29 @@
           <a:bodyPr/>
           <a:lstStyle/>
           <a:p>
-            <a:endParaRPr lang="fr-BE"/>
+            <a:r>
+              <a:rPr lang="fr-BE" dirty="0"/>
+              <a:t>Les branches et fusion</a:t>
+            </a:r>
+          </a:p>
+          <a:p>
+            <a:pPr lvl="1"/>
+            <a:r>
+              <a:rPr lang="fr-BE" dirty="0"/>
+              <a:t>Git </a:t>
+            </a:r>
+            <a:r>
+              <a:rPr lang="fr-BE" dirty="0" err="1"/>
+              <a:t>opendiff</a:t>
+            </a:r>
+            <a:endParaRPr lang="fr-BE" dirty="0"/>
           </a:p>
         </p:txBody>
       </p:sp>
     </p:spTree>
     <p:extLst>
       <p:ext uri="{BB962C8B-B14F-4D97-AF65-F5344CB8AC3E}">
-        <p14:creationId xmlns:p14="http://schemas.microsoft.com/office/powerpoint/2010/main" val="630102370"/>
+        <p14:creationId xmlns:p14="http://schemas.microsoft.com/office/powerpoint/2010/main" val="3793152064"/>
       </p:ext>
     </p:extLst>
   </p:cSld>
@@ -6347,7 +6458,7 @@
           <p:cNvPr id="2" name="Titre 1">
             <a:extLst>
               <a:ext uri="{FF2B5EF4-FFF2-40B4-BE49-F238E27FC236}">
-                <a16:creationId xmlns:a16="http://schemas.microsoft.com/office/drawing/2014/main" id="{17D7B06E-09C9-FB94-7662-04BD0C7D447D}"/>
+                <a16:creationId xmlns:a16="http://schemas.microsoft.com/office/drawing/2014/main" id="{12426C71-2E18-7D2F-D413-49F0574D7ED6}"/>
               </a:ext>
             </a:extLst>
           </p:cNvPr>
@@ -6363,7 +6474,10 @@
           <a:bodyPr/>
           <a:lstStyle/>
           <a:p>
-            <a:endParaRPr lang="fr-BE"/>
+            <a:r>
+              <a:rPr lang="fr-BE" dirty="0"/>
+              <a:t>2. Contrôle de version - GIT</a:t>
+            </a:r>
           </a:p>
         </p:txBody>
       </p:sp>
@@ -6372,7 +6486,7 @@
           <p:cNvPr id="3" name="Espace réservé du contenu 2">
             <a:extLst>
               <a:ext uri="{FF2B5EF4-FFF2-40B4-BE49-F238E27FC236}">
-                <a16:creationId xmlns:a16="http://schemas.microsoft.com/office/drawing/2014/main" id="{4C4EF745-F3DB-2FC0-6D9A-6F8183C84FA5}"/>
+                <a16:creationId xmlns:a16="http://schemas.microsoft.com/office/drawing/2014/main" id="{9A316352-F52A-801C-3C7A-70C8B01EB79E}"/>
               </a:ext>
             </a:extLst>
           </p:cNvPr>
@@ -6388,14 +6502,24 @@
           <a:bodyPr/>
           <a:lstStyle/>
           <a:p>
-            <a:endParaRPr lang="fr-BE"/>
+            <a:r>
+              <a:rPr lang="fr-BE" dirty="0"/>
+              <a:t>Les branches et fusion</a:t>
+            </a:r>
+          </a:p>
+          <a:p>
+            <a:pPr lvl="1"/>
+            <a:r>
+              <a:rPr lang="fr-BE" dirty="0"/>
+              <a:t>Git push</a:t>
+            </a:r>
           </a:p>
         </p:txBody>
       </p:sp>
     </p:spTree>
     <p:extLst>
       <p:ext uri="{BB962C8B-B14F-4D97-AF65-F5344CB8AC3E}">
-        <p14:creationId xmlns:p14="http://schemas.microsoft.com/office/powerpoint/2010/main" val="1904480883"/>
+        <p14:creationId xmlns:p14="http://schemas.microsoft.com/office/powerpoint/2010/main" val="423996593"/>
       </p:ext>
     </p:extLst>
   </p:cSld>
@@ -6427,7 +6551,7 @@
           <p:cNvPr id="2" name="Titre 1">
             <a:extLst>
               <a:ext uri="{FF2B5EF4-FFF2-40B4-BE49-F238E27FC236}">
-                <a16:creationId xmlns:a16="http://schemas.microsoft.com/office/drawing/2014/main" id="{112E31F8-5A26-55D4-5460-EC37FE59751A}"/>
+                <a16:creationId xmlns:a16="http://schemas.microsoft.com/office/drawing/2014/main" id="{12426C71-2E18-7D2F-D413-49F0574D7ED6}"/>
               </a:ext>
             </a:extLst>
           </p:cNvPr>
@@ -6443,7 +6567,10 @@
           <a:bodyPr/>
           <a:lstStyle/>
           <a:p>
-            <a:endParaRPr lang="fr-BE"/>
+            <a:r>
+              <a:rPr lang="fr-BE" dirty="0"/>
+              <a:t>2. Contrôle de version - GIT</a:t>
+            </a:r>
           </a:p>
         </p:txBody>
       </p:sp>
@@ -6452,7 +6579,7 @@
           <p:cNvPr id="3" name="Espace réservé du contenu 2">
             <a:extLst>
               <a:ext uri="{FF2B5EF4-FFF2-40B4-BE49-F238E27FC236}">
-                <a16:creationId xmlns:a16="http://schemas.microsoft.com/office/drawing/2014/main" id="{67884C8C-0D98-103E-8A1E-A3868ED9D304}"/>
+                <a16:creationId xmlns:a16="http://schemas.microsoft.com/office/drawing/2014/main" id="{9A316352-F52A-801C-3C7A-70C8B01EB79E}"/>
               </a:ext>
             </a:extLst>
           </p:cNvPr>
@@ -6468,14 +6595,29 @@
           <a:bodyPr/>
           <a:lstStyle/>
           <a:p>
-            <a:endParaRPr lang="fr-BE"/>
+            <a:r>
+              <a:rPr lang="fr-BE" dirty="0"/>
+              <a:t>Les branches et fusion</a:t>
+            </a:r>
+          </a:p>
+          <a:p>
+            <a:pPr lvl="1"/>
+            <a:r>
+              <a:rPr lang="fr-BE" dirty="0"/>
+              <a:t>Git </a:t>
+            </a:r>
+            <a:r>
+              <a:rPr lang="fr-BE" dirty="0" err="1"/>
+              <a:t>fetch</a:t>
+            </a:r>
+            <a:endParaRPr lang="fr-BE" dirty="0"/>
           </a:p>
         </p:txBody>
       </p:sp>
     </p:spTree>
     <p:extLst>
       <p:ext uri="{BB962C8B-B14F-4D97-AF65-F5344CB8AC3E}">
-        <p14:creationId xmlns:p14="http://schemas.microsoft.com/office/powerpoint/2010/main" val="754691035"/>
+        <p14:creationId xmlns:p14="http://schemas.microsoft.com/office/powerpoint/2010/main" val="1599629086"/>
       </p:ext>
     </p:extLst>
   </p:cSld>
@@ -6619,7 +6761,7 @@
           <p:cNvPr id="2" name="Titre 1">
             <a:extLst>
               <a:ext uri="{FF2B5EF4-FFF2-40B4-BE49-F238E27FC236}">
-                <a16:creationId xmlns:a16="http://schemas.microsoft.com/office/drawing/2014/main" id="{B9C31C5F-10D6-FDC7-1170-4C9B18257CBC}"/>
+                <a16:creationId xmlns:a16="http://schemas.microsoft.com/office/drawing/2014/main" id="{12426C71-2E18-7D2F-D413-49F0574D7ED6}"/>
               </a:ext>
             </a:extLst>
           </p:cNvPr>
@@ -6635,7 +6777,10 @@
           <a:bodyPr/>
           <a:lstStyle/>
           <a:p>
-            <a:endParaRPr lang="fr-BE"/>
+            <a:r>
+              <a:rPr lang="fr-BE" dirty="0"/>
+              <a:t>2. Contrôle de version - GIT</a:t>
+            </a:r>
           </a:p>
         </p:txBody>
       </p:sp>
@@ -6644,7 +6789,7 @@
           <p:cNvPr id="3" name="Espace réservé du contenu 2">
             <a:extLst>
               <a:ext uri="{FF2B5EF4-FFF2-40B4-BE49-F238E27FC236}">
-                <a16:creationId xmlns:a16="http://schemas.microsoft.com/office/drawing/2014/main" id="{E9B669AD-6422-11D7-57A0-F8E355A554AD}"/>
+                <a16:creationId xmlns:a16="http://schemas.microsoft.com/office/drawing/2014/main" id="{9A316352-F52A-801C-3C7A-70C8B01EB79E}"/>
               </a:ext>
             </a:extLst>
           </p:cNvPr>
@@ -6660,14 +6805,24 @@
           <a:bodyPr/>
           <a:lstStyle/>
           <a:p>
-            <a:endParaRPr lang="fr-BE"/>
+            <a:r>
+              <a:rPr lang="fr-BE" dirty="0"/>
+              <a:t>Les branches et fusion</a:t>
+            </a:r>
+          </a:p>
+          <a:p>
+            <a:pPr lvl="1"/>
+            <a:r>
+              <a:rPr lang="fr-BE" dirty="0"/>
+              <a:t>Git push</a:t>
+            </a:r>
           </a:p>
         </p:txBody>
       </p:sp>
     </p:spTree>
     <p:extLst>
       <p:ext uri="{BB962C8B-B14F-4D97-AF65-F5344CB8AC3E}">
-        <p14:creationId xmlns:p14="http://schemas.microsoft.com/office/powerpoint/2010/main" val="3523135377"/>
+        <p14:creationId xmlns:p14="http://schemas.microsoft.com/office/powerpoint/2010/main" val="1703616804"/>
       </p:ext>
     </p:extLst>
   </p:cSld>
@@ -6699,7 +6854,7 @@
           <p:cNvPr id="2" name="Titre 1">
             <a:extLst>
               <a:ext uri="{FF2B5EF4-FFF2-40B4-BE49-F238E27FC236}">
-                <a16:creationId xmlns:a16="http://schemas.microsoft.com/office/drawing/2014/main" id="{E819C71D-0F99-EAE1-ED57-9562BCB0519D}"/>
+                <a16:creationId xmlns:a16="http://schemas.microsoft.com/office/drawing/2014/main" id="{12426C71-2E18-7D2F-D413-49F0574D7ED6}"/>
               </a:ext>
             </a:extLst>
           </p:cNvPr>
@@ -6715,7 +6870,10 @@
           <a:bodyPr/>
           <a:lstStyle/>
           <a:p>
-            <a:endParaRPr lang="fr-BE"/>
+            <a:r>
+              <a:rPr lang="fr-BE" dirty="0"/>
+              <a:t>2. Contrôle de version - GIT</a:t>
+            </a:r>
           </a:p>
         </p:txBody>
       </p:sp>
@@ -6724,7 +6882,7 @@
           <p:cNvPr id="3" name="Espace réservé du contenu 2">
             <a:extLst>
               <a:ext uri="{FF2B5EF4-FFF2-40B4-BE49-F238E27FC236}">
-                <a16:creationId xmlns:a16="http://schemas.microsoft.com/office/drawing/2014/main" id="{2A2E788E-0CAE-51CC-8DF9-1C086F4B968A}"/>
+                <a16:creationId xmlns:a16="http://schemas.microsoft.com/office/drawing/2014/main" id="{9A316352-F52A-801C-3C7A-70C8B01EB79E}"/>
               </a:ext>
             </a:extLst>
           </p:cNvPr>
@@ -6740,14 +6898,24 @@
           <a:bodyPr/>
           <a:lstStyle/>
           <a:p>
-            <a:endParaRPr lang="fr-BE"/>
+            <a:r>
+              <a:rPr lang="fr-BE" dirty="0"/>
+              <a:t>Les branches et fusion</a:t>
+            </a:r>
+          </a:p>
+          <a:p>
+            <a:pPr lvl="1"/>
+            <a:r>
+              <a:rPr lang="fr-BE" dirty="0"/>
+              <a:t>Git rebase</a:t>
+            </a:r>
           </a:p>
         </p:txBody>
       </p:sp>
     </p:spTree>
     <p:extLst>
       <p:ext uri="{BB962C8B-B14F-4D97-AF65-F5344CB8AC3E}">
-        <p14:creationId xmlns:p14="http://schemas.microsoft.com/office/powerpoint/2010/main" val="3748501652"/>
+        <p14:creationId xmlns:p14="http://schemas.microsoft.com/office/powerpoint/2010/main" val="898778306"/>
       </p:ext>
     </p:extLst>
   </p:cSld>
@@ -6779,7 +6947,7 @@
           <p:cNvPr id="2" name="Titre 1">
             <a:extLst>
               <a:ext uri="{FF2B5EF4-FFF2-40B4-BE49-F238E27FC236}">
-                <a16:creationId xmlns:a16="http://schemas.microsoft.com/office/drawing/2014/main" id="{AEEE6356-8F2A-DCF1-AFB0-93EF1E514850}"/>
+                <a16:creationId xmlns:a16="http://schemas.microsoft.com/office/drawing/2014/main" id="{A3A96367-EDE5-14F8-5B05-A7FFE9ACA149}"/>
               </a:ext>
             </a:extLst>
           </p:cNvPr>
@@ -6804,7 +6972,7 @@
           <p:cNvPr id="3" name="Espace réservé du contenu 2">
             <a:extLst>
               <a:ext uri="{FF2B5EF4-FFF2-40B4-BE49-F238E27FC236}">
-                <a16:creationId xmlns:a16="http://schemas.microsoft.com/office/drawing/2014/main" id="{E06C70CB-5E65-F574-E830-627EB7BEAECB}"/>
+                <a16:creationId xmlns:a16="http://schemas.microsoft.com/office/drawing/2014/main" id="{BEBDA8D6-3C56-AA39-9672-479CC75C17AE}"/>
               </a:ext>
             </a:extLst>
           </p:cNvPr>
@@ -6827,7 +6995,7 @@
     </p:spTree>
     <p:extLst>
       <p:ext uri="{BB962C8B-B14F-4D97-AF65-F5344CB8AC3E}">
-        <p14:creationId xmlns:p14="http://schemas.microsoft.com/office/powerpoint/2010/main" val="3787226711"/>
+        <p14:creationId xmlns:p14="http://schemas.microsoft.com/office/powerpoint/2010/main" val="799153160"/>
       </p:ext>
     </p:extLst>
   </p:cSld>
@@ -6859,7 +7027,7 @@
           <p:cNvPr id="2" name="Titre 1">
             <a:extLst>
               <a:ext uri="{FF2B5EF4-FFF2-40B4-BE49-F238E27FC236}">
-                <a16:creationId xmlns:a16="http://schemas.microsoft.com/office/drawing/2014/main" id="{DEC8A32C-F47D-5958-0C31-036AA76068FB}"/>
+                <a16:creationId xmlns:a16="http://schemas.microsoft.com/office/drawing/2014/main" id="{14C9EE1C-937B-4C1E-77D9-7D7E5CD96CBE}"/>
               </a:ext>
             </a:extLst>
           </p:cNvPr>
@@ -6884,7 +7052,7 @@
           <p:cNvPr id="3" name="Espace réservé du contenu 2">
             <a:extLst>
               <a:ext uri="{FF2B5EF4-FFF2-40B4-BE49-F238E27FC236}">
-                <a16:creationId xmlns:a16="http://schemas.microsoft.com/office/drawing/2014/main" id="{06D03DF7-3A3B-B4EB-981A-24C449DB0B73}"/>
+                <a16:creationId xmlns:a16="http://schemas.microsoft.com/office/drawing/2014/main" id="{EB866E64-EDA6-7EF8-DC49-EAF399BB4330}"/>
               </a:ext>
             </a:extLst>
           </p:cNvPr>
@@ -6907,7 +7075,7 @@
     </p:spTree>
     <p:extLst>
       <p:ext uri="{BB962C8B-B14F-4D97-AF65-F5344CB8AC3E}">
-        <p14:creationId xmlns:p14="http://schemas.microsoft.com/office/powerpoint/2010/main" val="3606623361"/>
+        <p14:creationId xmlns:p14="http://schemas.microsoft.com/office/powerpoint/2010/main" val="301329275"/>
       </p:ext>
     </p:extLst>
   </p:cSld>
@@ -6939,7 +7107,7 @@
           <p:cNvPr id="2" name="Titre 1">
             <a:extLst>
               <a:ext uri="{FF2B5EF4-FFF2-40B4-BE49-F238E27FC236}">
-                <a16:creationId xmlns:a16="http://schemas.microsoft.com/office/drawing/2014/main" id="{F79BC76B-C7B4-8B34-0616-F82730560778}"/>
+                <a16:creationId xmlns:a16="http://schemas.microsoft.com/office/drawing/2014/main" id="{11D554A0-B6C6-8A4B-82F6-1AA1BF45CF5E}"/>
               </a:ext>
             </a:extLst>
           </p:cNvPr>
@@ -6964,7 +7132,7 @@
           <p:cNvPr id="3" name="Espace réservé du contenu 2">
             <a:extLst>
               <a:ext uri="{FF2B5EF4-FFF2-40B4-BE49-F238E27FC236}">
-                <a16:creationId xmlns:a16="http://schemas.microsoft.com/office/drawing/2014/main" id="{2FD8B1E8-B003-D206-EF1C-F89F160580E8}"/>
+                <a16:creationId xmlns:a16="http://schemas.microsoft.com/office/drawing/2014/main" id="{B7D2B228-2205-6947-EFD2-17EC30A01113}"/>
               </a:ext>
             </a:extLst>
           </p:cNvPr>
@@ -6987,7 +7155,7 @@
     </p:spTree>
     <p:extLst>
       <p:ext uri="{BB962C8B-B14F-4D97-AF65-F5344CB8AC3E}">
-        <p14:creationId xmlns:p14="http://schemas.microsoft.com/office/powerpoint/2010/main" val="753411652"/>
+        <p14:creationId xmlns:p14="http://schemas.microsoft.com/office/powerpoint/2010/main" val="2385822855"/>
       </p:ext>
     </p:extLst>
   </p:cSld>
@@ -7019,7 +7187,7 @@
           <p:cNvPr id="2" name="Titre 1">
             <a:extLst>
               <a:ext uri="{FF2B5EF4-FFF2-40B4-BE49-F238E27FC236}">
-                <a16:creationId xmlns:a16="http://schemas.microsoft.com/office/drawing/2014/main" id="{3A7796DC-F3C3-09A1-03C7-285379C57111}"/>
+                <a16:creationId xmlns:a16="http://schemas.microsoft.com/office/drawing/2014/main" id="{8C44EFD1-0942-53AD-0922-D0AE187438B0}"/>
               </a:ext>
             </a:extLst>
           </p:cNvPr>
@@ -7044,7 +7212,7 @@
           <p:cNvPr id="3" name="Espace réservé du contenu 2">
             <a:extLst>
               <a:ext uri="{FF2B5EF4-FFF2-40B4-BE49-F238E27FC236}">
-                <a16:creationId xmlns:a16="http://schemas.microsoft.com/office/drawing/2014/main" id="{603A2061-CBBC-325D-BB40-F86622F6EE8D}"/>
+                <a16:creationId xmlns:a16="http://schemas.microsoft.com/office/drawing/2014/main" id="{B2AC8E24-1FAD-9A1B-7C35-B5640EADC1F5}"/>
               </a:ext>
             </a:extLst>
           </p:cNvPr>
@@ -7067,7 +7235,7 @@
     </p:spTree>
     <p:extLst>
       <p:ext uri="{BB962C8B-B14F-4D97-AF65-F5344CB8AC3E}">
-        <p14:creationId xmlns:p14="http://schemas.microsoft.com/office/powerpoint/2010/main" val="1580104069"/>
+        <p14:creationId xmlns:p14="http://schemas.microsoft.com/office/powerpoint/2010/main" val="630102370"/>
       </p:ext>
     </p:extLst>
   </p:cSld>
@@ -7099,7 +7267,7 @@
           <p:cNvPr id="2" name="Titre 1">
             <a:extLst>
               <a:ext uri="{FF2B5EF4-FFF2-40B4-BE49-F238E27FC236}">
-                <a16:creationId xmlns:a16="http://schemas.microsoft.com/office/drawing/2014/main" id="{2875E28A-2A97-F038-0E9B-D823E045D076}"/>
+                <a16:creationId xmlns:a16="http://schemas.microsoft.com/office/drawing/2014/main" id="{17D7B06E-09C9-FB94-7662-04BD0C7D447D}"/>
               </a:ext>
             </a:extLst>
           </p:cNvPr>
@@ -7124,7 +7292,7 @@
           <p:cNvPr id="3" name="Espace réservé du contenu 2">
             <a:extLst>
               <a:ext uri="{FF2B5EF4-FFF2-40B4-BE49-F238E27FC236}">
-                <a16:creationId xmlns:a16="http://schemas.microsoft.com/office/drawing/2014/main" id="{2C8BB953-0D8E-92C8-9A11-85EA8D94CC5B}"/>
+                <a16:creationId xmlns:a16="http://schemas.microsoft.com/office/drawing/2014/main" id="{4C4EF745-F3DB-2FC0-6D9A-6F8183C84FA5}"/>
               </a:ext>
             </a:extLst>
           </p:cNvPr>
@@ -7147,7 +7315,7 @@
     </p:spTree>
     <p:extLst>
       <p:ext uri="{BB962C8B-B14F-4D97-AF65-F5344CB8AC3E}">
-        <p14:creationId xmlns:p14="http://schemas.microsoft.com/office/powerpoint/2010/main" val="3075839455"/>
+        <p14:creationId xmlns:p14="http://schemas.microsoft.com/office/powerpoint/2010/main" val="1904480883"/>
       </p:ext>
     </p:extLst>
   </p:cSld>
@@ -7179,7 +7347,7 @@
           <p:cNvPr id="2" name="Titre 1">
             <a:extLst>
               <a:ext uri="{FF2B5EF4-FFF2-40B4-BE49-F238E27FC236}">
-                <a16:creationId xmlns:a16="http://schemas.microsoft.com/office/drawing/2014/main" id="{590972D6-F658-0CDA-7DE2-4FF8DF332270}"/>
+                <a16:creationId xmlns:a16="http://schemas.microsoft.com/office/drawing/2014/main" id="{112E31F8-5A26-55D4-5460-EC37FE59751A}"/>
               </a:ext>
             </a:extLst>
           </p:cNvPr>
@@ -7204,7 +7372,7 @@
           <p:cNvPr id="3" name="Espace réservé du contenu 2">
             <a:extLst>
               <a:ext uri="{FF2B5EF4-FFF2-40B4-BE49-F238E27FC236}">
-                <a16:creationId xmlns:a16="http://schemas.microsoft.com/office/drawing/2014/main" id="{7D349F6E-B64F-204C-4281-6BEE5493D36F}"/>
+                <a16:creationId xmlns:a16="http://schemas.microsoft.com/office/drawing/2014/main" id="{67884C8C-0D98-103E-8A1E-A3868ED9D304}"/>
               </a:ext>
             </a:extLst>
           </p:cNvPr>
@@ -7227,7 +7395,7 @@
     </p:spTree>
     <p:extLst>
       <p:ext uri="{BB962C8B-B14F-4D97-AF65-F5344CB8AC3E}">
-        <p14:creationId xmlns:p14="http://schemas.microsoft.com/office/powerpoint/2010/main" val="3123736020"/>
+        <p14:creationId xmlns:p14="http://schemas.microsoft.com/office/powerpoint/2010/main" val="754691035"/>
       </p:ext>
     </p:extLst>
   </p:cSld>
@@ -7259,7 +7427,7 @@
           <p:cNvPr id="2" name="Titre 1">
             <a:extLst>
               <a:ext uri="{FF2B5EF4-FFF2-40B4-BE49-F238E27FC236}">
-                <a16:creationId xmlns:a16="http://schemas.microsoft.com/office/drawing/2014/main" id="{BAFB00CE-C4F1-78B7-BF32-B5CBEC890118}"/>
+                <a16:creationId xmlns:a16="http://schemas.microsoft.com/office/drawing/2014/main" id="{B9C31C5F-10D6-FDC7-1170-4C9B18257CBC}"/>
               </a:ext>
             </a:extLst>
           </p:cNvPr>
@@ -7284,7 +7452,7 @@
           <p:cNvPr id="3" name="Espace réservé du contenu 2">
             <a:extLst>
               <a:ext uri="{FF2B5EF4-FFF2-40B4-BE49-F238E27FC236}">
-                <a16:creationId xmlns:a16="http://schemas.microsoft.com/office/drawing/2014/main" id="{60D2D573-60A3-BC73-A829-246E52EA01B7}"/>
+                <a16:creationId xmlns:a16="http://schemas.microsoft.com/office/drawing/2014/main" id="{E9B669AD-6422-11D7-57A0-F8E355A554AD}"/>
               </a:ext>
             </a:extLst>
           </p:cNvPr>
@@ -7307,7 +7475,7 @@
     </p:spTree>
     <p:extLst>
       <p:ext uri="{BB962C8B-B14F-4D97-AF65-F5344CB8AC3E}">
-        <p14:creationId xmlns:p14="http://schemas.microsoft.com/office/powerpoint/2010/main" val="2273409557"/>
+        <p14:creationId xmlns:p14="http://schemas.microsoft.com/office/powerpoint/2010/main" val="3523135377"/>
       </p:ext>
     </p:extLst>
   </p:cSld>
@@ -7339,7 +7507,7 @@
           <p:cNvPr id="2" name="Titre 1">
             <a:extLst>
               <a:ext uri="{FF2B5EF4-FFF2-40B4-BE49-F238E27FC236}">
-                <a16:creationId xmlns:a16="http://schemas.microsoft.com/office/drawing/2014/main" id="{42068A22-5C35-2ADC-C6BD-F77724C1F50A}"/>
+                <a16:creationId xmlns:a16="http://schemas.microsoft.com/office/drawing/2014/main" id="{E819C71D-0F99-EAE1-ED57-9562BCB0519D}"/>
               </a:ext>
             </a:extLst>
           </p:cNvPr>
@@ -7364,7 +7532,7 @@
           <p:cNvPr id="3" name="Espace réservé du contenu 2">
             <a:extLst>
               <a:ext uri="{FF2B5EF4-FFF2-40B4-BE49-F238E27FC236}">
-                <a16:creationId xmlns:a16="http://schemas.microsoft.com/office/drawing/2014/main" id="{B5D110AC-3BA2-C8EB-2BE7-99BA8339E026}"/>
+                <a16:creationId xmlns:a16="http://schemas.microsoft.com/office/drawing/2014/main" id="{2A2E788E-0CAE-51CC-8DF9-1C086F4B968A}"/>
               </a:ext>
             </a:extLst>
           </p:cNvPr>
@@ -7387,7 +7555,7 @@
     </p:spTree>
     <p:extLst>
       <p:ext uri="{BB962C8B-B14F-4D97-AF65-F5344CB8AC3E}">
-        <p14:creationId xmlns:p14="http://schemas.microsoft.com/office/powerpoint/2010/main" val="3408875528"/>
+        <p14:creationId xmlns:p14="http://schemas.microsoft.com/office/powerpoint/2010/main" val="3748501652"/>
       </p:ext>
     </p:extLst>
   </p:cSld>
@@ -7598,7 +7766,7 @@
           <p:cNvPr id="2" name="Titre 1">
             <a:extLst>
               <a:ext uri="{FF2B5EF4-FFF2-40B4-BE49-F238E27FC236}">
-                <a16:creationId xmlns:a16="http://schemas.microsoft.com/office/drawing/2014/main" id="{B0C98D17-C5E8-0F6C-A1AF-292E0D0494C2}"/>
+                <a16:creationId xmlns:a16="http://schemas.microsoft.com/office/drawing/2014/main" id="{AEEE6356-8F2A-DCF1-AFB0-93EF1E514850}"/>
               </a:ext>
             </a:extLst>
           </p:cNvPr>
@@ -7623,7 +7791,7 @@
           <p:cNvPr id="3" name="Espace réservé du contenu 2">
             <a:extLst>
               <a:ext uri="{FF2B5EF4-FFF2-40B4-BE49-F238E27FC236}">
-                <a16:creationId xmlns:a16="http://schemas.microsoft.com/office/drawing/2014/main" id="{951363E4-2568-7B4B-D91A-3763137A5976}"/>
+                <a16:creationId xmlns:a16="http://schemas.microsoft.com/office/drawing/2014/main" id="{E06C70CB-5E65-F574-E830-627EB7BEAECB}"/>
               </a:ext>
             </a:extLst>
           </p:cNvPr>
@@ -7646,7 +7814,7 @@
     </p:spTree>
     <p:extLst>
       <p:ext uri="{BB962C8B-B14F-4D97-AF65-F5344CB8AC3E}">
-        <p14:creationId xmlns:p14="http://schemas.microsoft.com/office/powerpoint/2010/main" val="1462404812"/>
+        <p14:creationId xmlns:p14="http://schemas.microsoft.com/office/powerpoint/2010/main" val="3787226711"/>
       </p:ext>
     </p:extLst>
   </p:cSld>
@@ -7678,7 +7846,7 @@
           <p:cNvPr id="2" name="Titre 1">
             <a:extLst>
               <a:ext uri="{FF2B5EF4-FFF2-40B4-BE49-F238E27FC236}">
-                <a16:creationId xmlns:a16="http://schemas.microsoft.com/office/drawing/2014/main" id="{14B52CD2-EB5A-4418-3F79-DD3129D2528E}"/>
+                <a16:creationId xmlns:a16="http://schemas.microsoft.com/office/drawing/2014/main" id="{DEC8A32C-F47D-5958-0C31-036AA76068FB}"/>
               </a:ext>
             </a:extLst>
           </p:cNvPr>
@@ -7703,7 +7871,7 @@
           <p:cNvPr id="3" name="Espace réservé du contenu 2">
             <a:extLst>
               <a:ext uri="{FF2B5EF4-FFF2-40B4-BE49-F238E27FC236}">
-                <a16:creationId xmlns:a16="http://schemas.microsoft.com/office/drawing/2014/main" id="{8AF76F4F-946F-594B-98AF-858AF9327F5E}"/>
+                <a16:creationId xmlns:a16="http://schemas.microsoft.com/office/drawing/2014/main" id="{06D03DF7-3A3B-B4EB-981A-24C449DB0B73}"/>
               </a:ext>
             </a:extLst>
           </p:cNvPr>
@@ -7726,7 +7894,7 @@
     </p:spTree>
     <p:extLst>
       <p:ext uri="{BB962C8B-B14F-4D97-AF65-F5344CB8AC3E}">
-        <p14:creationId xmlns:p14="http://schemas.microsoft.com/office/powerpoint/2010/main" val="552433639"/>
+        <p14:creationId xmlns:p14="http://schemas.microsoft.com/office/powerpoint/2010/main" val="3606623361"/>
       </p:ext>
     </p:extLst>
   </p:cSld>
@@ -7758,7 +7926,7 @@
           <p:cNvPr id="2" name="Titre 1">
             <a:extLst>
               <a:ext uri="{FF2B5EF4-FFF2-40B4-BE49-F238E27FC236}">
-                <a16:creationId xmlns:a16="http://schemas.microsoft.com/office/drawing/2014/main" id="{53052B78-0552-FB9B-1B33-9C0536FF59CF}"/>
+                <a16:creationId xmlns:a16="http://schemas.microsoft.com/office/drawing/2014/main" id="{F79BC76B-C7B4-8B34-0616-F82730560778}"/>
               </a:ext>
             </a:extLst>
           </p:cNvPr>
@@ -7783,7 +7951,7 @@
           <p:cNvPr id="3" name="Espace réservé du contenu 2">
             <a:extLst>
               <a:ext uri="{FF2B5EF4-FFF2-40B4-BE49-F238E27FC236}">
-                <a16:creationId xmlns:a16="http://schemas.microsoft.com/office/drawing/2014/main" id="{628CDA9E-150C-0B04-AE9A-C3EABA5F6A21}"/>
+                <a16:creationId xmlns:a16="http://schemas.microsoft.com/office/drawing/2014/main" id="{2FD8B1E8-B003-D206-EF1C-F89F160580E8}"/>
               </a:ext>
             </a:extLst>
           </p:cNvPr>
@@ -7806,7 +7974,7 @@
     </p:spTree>
     <p:extLst>
       <p:ext uri="{BB962C8B-B14F-4D97-AF65-F5344CB8AC3E}">
-        <p14:creationId xmlns:p14="http://schemas.microsoft.com/office/powerpoint/2010/main" val="3951971659"/>
+        <p14:creationId xmlns:p14="http://schemas.microsoft.com/office/powerpoint/2010/main" val="753411652"/>
       </p:ext>
     </p:extLst>
   </p:cSld>
@@ -7838,7 +8006,7 @@
           <p:cNvPr id="2" name="Titre 1">
             <a:extLst>
               <a:ext uri="{FF2B5EF4-FFF2-40B4-BE49-F238E27FC236}">
-                <a16:creationId xmlns:a16="http://schemas.microsoft.com/office/drawing/2014/main" id="{C6AF57E8-C999-D30C-09E4-431126390225}"/>
+                <a16:creationId xmlns:a16="http://schemas.microsoft.com/office/drawing/2014/main" id="{3A7796DC-F3C3-09A1-03C7-285379C57111}"/>
               </a:ext>
             </a:extLst>
           </p:cNvPr>
@@ -7863,7 +8031,7 @@
           <p:cNvPr id="3" name="Espace réservé du contenu 2">
             <a:extLst>
               <a:ext uri="{FF2B5EF4-FFF2-40B4-BE49-F238E27FC236}">
-                <a16:creationId xmlns:a16="http://schemas.microsoft.com/office/drawing/2014/main" id="{DBCC132B-4C59-DA4F-072B-59B9D2B4E391}"/>
+                <a16:creationId xmlns:a16="http://schemas.microsoft.com/office/drawing/2014/main" id="{603A2061-CBBC-325D-BB40-F86622F6EE8D}"/>
               </a:ext>
             </a:extLst>
           </p:cNvPr>
@@ -7886,7 +8054,7 @@
     </p:spTree>
     <p:extLst>
       <p:ext uri="{BB962C8B-B14F-4D97-AF65-F5344CB8AC3E}">
-        <p14:creationId xmlns:p14="http://schemas.microsoft.com/office/powerpoint/2010/main" val="598961588"/>
+        <p14:creationId xmlns:p14="http://schemas.microsoft.com/office/powerpoint/2010/main" val="1580104069"/>
       </p:ext>
     </p:extLst>
   </p:cSld>
@@ -7918,7 +8086,7 @@
           <p:cNvPr id="2" name="Titre 1">
             <a:extLst>
               <a:ext uri="{FF2B5EF4-FFF2-40B4-BE49-F238E27FC236}">
-                <a16:creationId xmlns:a16="http://schemas.microsoft.com/office/drawing/2014/main" id="{8970A576-1A4A-B300-6733-B6138FFC9283}"/>
+                <a16:creationId xmlns:a16="http://schemas.microsoft.com/office/drawing/2014/main" id="{2875E28A-2A97-F038-0E9B-D823E045D076}"/>
               </a:ext>
             </a:extLst>
           </p:cNvPr>
@@ -7943,7 +8111,7 @@
           <p:cNvPr id="3" name="Espace réservé du contenu 2">
             <a:extLst>
               <a:ext uri="{FF2B5EF4-FFF2-40B4-BE49-F238E27FC236}">
-                <a16:creationId xmlns:a16="http://schemas.microsoft.com/office/drawing/2014/main" id="{E1060295-9492-209A-A688-78E53E99BA52}"/>
+                <a16:creationId xmlns:a16="http://schemas.microsoft.com/office/drawing/2014/main" id="{2C8BB953-0D8E-92C8-9A11-85EA8D94CC5B}"/>
               </a:ext>
             </a:extLst>
           </p:cNvPr>
@@ -7966,7 +8134,7 @@
     </p:spTree>
     <p:extLst>
       <p:ext uri="{BB962C8B-B14F-4D97-AF65-F5344CB8AC3E}">
-        <p14:creationId xmlns:p14="http://schemas.microsoft.com/office/powerpoint/2010/main" val="2310192782"/>
+        <p14:creationId xmlns:p14="http://schemas.microsoft.com/office/powerpoint/2010/main" val="3075839455"/>
       </p:ext>
     </p:extLst>
   </p:cSld>
@@ -7998,7 +8166,7 @@
           <p:cNvPr id="2" name="Titre 1">
             <a:extLst>
               <a:ext uri="{FF2B5EF4-FFF2-40B4-BE49-F238E27FC236}">
-                <a16:creationId xmlns:a16="http://schemas.microsoft.com/office/drawing/2014/main" id="{A9AA1387-1590-A8B9-E858-9CFE05CB7CFC}"/>
+                <a16:creationId xmlns:a16="http://schemas.microsoft.com/office/drawing/2014/main" id="{590972D6-F658-0CDA-7DE2-4FF8DF332270}"/>
               </a:ext>
             </a:extLst>
           </p:cNvPr>
@@ -8023,7 +8191,7 @@
           <p:cNvPr id="3" name="Espace réservé du contenu 2">
             <a:extLst>
               <a:ext uri="{FF2B5EF4-FFF2-40B4-BE49-F238E27FC236}">
-                <a16:creationId xmlns:a16="http://schemas.microsoft.com/office/drawing/2014/main" id="{C42280FA-41D0-6D04-3B55-E00A005963BB}"/>
+                <a16:creationId xmlns:a16="http://schemas.microsoft.com/office/drawing/2014/main" id="{7D349F6E-B64F-204C-4281-6BEE5493D36F}"/>
               </a:ext>
             </a:extLst>
           </p:cNvPr>
@@ -8046,7 +8214,327 @@
     </p:spTree>
     <p:extLst>
       <p:ext uri="{BB962C8B-B14F-4D97-AF65-F5344CB8AC3E}">
-        <p14:creationId xmlns:p14="http://schemas.microsoft.com/office/powerpoint/2010/main" val="794721125"/>
+        <p14:creationId xmlns:p14="http://schemas.microsoft.com/office/powerpoint/2010/main" val="3123736020"/>
+      </p:ext>
+    </p:extLst>
+  </p:cSld>
+  <p:clrMapOvr>
+    <a:masterClrMapping/>
+  </p:clrMapOvr>
+</p:sld>
+</file>
+
+<file path=ppt/slides/slide46.xml><?xml version="1.0" encoding="utf-8"?>
+<p:sld xmlns:a="http://schemas.openxmlformats.org/drawingml/2006/main" xmlns:r="http://schemas.openxmlformats.org/officeDocument/2006/relationships" xmlns:p="http://schemas.openxmlformats.org/presentationml/2006/main">
+  <p:cSld>
+    <p:spTree>
+      <p:nvGrpSpPr>
+        <p:cNvPr id="1" name=""/>
+        <p:cNvGrpSpPr/>
+        <p:nvPr/>
+      </p:nvGrpSpPr>
+      <p:grpSpPr>
+        <a:xfrm>
+          <a:off x="0" y="0"/>
+          <a:ext cx="0" cy="0"/>
+          <a:chOff x="0" y="0"/>
+          <a:chExt cx="0" cy="0"/>
+        </a:xfrm>
+      </p:grpSpPr>
+      <p:sp>
+        <p:nvSpPr>
+          <p:cNvPr id="2" name="Titre 1">
+            <a:extLst>
+              <a:ext uri="{FF2B5EF4-FFF2-40B4-BE49-F238E27FC236}">
+                <a16:creationId xmlns:a16="http://schemas.microsoft.com/office/drawing/2014/main" id="{BAFB00CE-C4F1-78B7-BF32-B5CBEC890118}"/>
+              </a:ext>
+            </a:extLst>
+          </p:cNvPr>
+          <p:cNvSpPr>
+            <a:spLocks noGrp="1"/>
+          </p:cNvSpPr>
+          <p:nvPr>
+            <p:ph type="title"/>
+          </p:nvPr>
+        </p:nvSpPr>
+        <p:spPr/>
+        <p:txBody>
+          <a:bodyPr/>
+          <a:lstStyle/>
+          <a:p>
+            <a:endParaRPr lang="fr-BE"/>
+          </a:p>
+        </p:txBody>
+      </p:sp>
+      <p:sp>
+        <p:nvSpPr>
+          <p:cNvPr id="3" name="Espace réservé du contenu 2">
+            <a:extLst>
+              <a:ext uri="{FF2B5EF4-FFF2-40B4-BE49-F238E27FC236}">
+                <a16:creationId xmlns:a16="http://schemas.microsoft.com/office/drawing/2014/main" id="{60D2D573-60A3-BC73-A829-246E52EA01B7}"/>
+              </a:ext>
+            </a:extLst>
+          </p:cNvPr>
+          <p:cNvSpPr>
+            <a:spLocks noGrp="1"/>
+          </p:cNvSpPr>
+          <p:nvPr>
+            <p:ph idx="1"/>
+          </p:nvPr>
+        </p:nvSpPr>
+        <p:spPr/>
+        <p:txBody>
+          <a:bodyPr/>
+          <a:lstStyle/>
+          <a:p>
+            <a:endParaRPr lang="fr-BE"/>
+          </a:p>
+        </p:txBody>
+      </p:sp>
+    </p:spTree>
+    <p:extLst>
+      <p:ext uri="{BB962C8B-B14F-4D97-AF65-F5344CB8AC3E}">
+        <p14:creationId xmlns:p14="http://schemas.microsoft.com/office/powerpoint/2010/main" val="2273409557"/>
+      </p:ext>
+    </p:extLst>
+  </p:cSld>
+  <p:clrMapOvr>
+    <a:masterClrMapping/>
+  </p:clrMapOvr>
+</p:sld>
+</file>
+
+<file path=ppt/slides/slide47.xml><?xml version="1.0" encoding="utf-8"?>
+<p:sld xmlns:a="http://schemas.openxmlformats.org/drawingml/2006/main" xmlns:r="http://schemas.openxmlformats.org/officeDocument/2006/relationships" xmlns:p="http://schemas.openxmlformats.org/presentationml/2006/main">
+  <p:cSld>
+    <p:spTree>
+      <p:nvGrpSpPr>
+        <p:cNvPr id="1" name=""/>
+        <p:cNvGrpSpPr/>
+        <p:nvPr/>
+      </p:nvGrpSpPr>
+      <p:grpSpPr>
+        <a:xfrm>
+          <a:off x="0" y="0"/>
+          <a:ext cx="0" cy="0"/>
+          <a:chOff x="0" y="0"/>
+          <a:chExt cx="0" cy="0"/>
+        </a:xfrm>
+      </p:grpSpPr>
+      <p:sp>
+        <p:nvSpPr>
+          <p:cNvPr id="2" name="Titre 1">
+            <a:extLst>
+              <a:ext uri="{FF2B5EF4-FFF2-40B4-BE49-F238E27FC236}">
+                <a16:creationId xmlns:a16="http://schemas.microsoft.com/office/drawing/2014/main" id="{42068A22-5C35-2ADC-C6BD-F77724C1F50A}"/>
+              </a:ext>
+            </a:extLst>
+          </p:cNvPr>
+          <p:cNvSpPr>
+            <a:spLocks noGrp="1"/>
+          </p:cNvSpPr>
+          <p:nvPr>
+            <p:ph type="title"/>
+          </p:nvPr>
+        </p:nvSpPr>
+        <p:spPr/>
+        <p:txBody>
+          <a:bodyPr/>
+          <a:lstStyle/>
+          <a:p>
+            <a:endParaRPr lang="fr-BE"/>
+          </a:p>
+        </p:txBody>
+      </p:sp>
+      <p:sp>
+        <p:nvSpPr>
+          <p:cNvPr id="3" name="Espace réservé du contenu 2">
+            <a:extLst>
+              <a:ext uri="{FF2B5EF4-FFF2-40B4-BE49-F238E27FC236}">
+                <a16:creationId xmlns:a16="http://schemas.microsoft.com/office/drawing/2014/main" id="{B5D110AC-3BA2-C8EB-2BE7-99BA8339E026}"/>
+              </a:ext>
+            </a:extLst>
+          </p:cNvPr>
+          <p:cNvSpPr>
+            <a:spLocks noGrp="1"/>
+          </p:cNvSpPr>
+          <p:nvPr>
+            <p:ph idx="1"/>
+          </p:nvPr>
+        </p:nvSpPr>
+        <p:spPr/>
+        <p:txBody>
+          <a:bodyPr/>
+          <a:lstStyle/>
+          <a:p>
+            <a:endParaRPr lang="fr-BE"/>
+          </a:p>
+        </p:txBody>
+      </p:sp>
+    </p:spTree>
+    <p:extLst>
+      <p:ext uri="{BB962C8B-B14F-4D97-AF65-F5344CB8AC3E}">
+        <p14:creationId xmlns:p14="http://schemas.microsoft.com/office/powerpoint/2010/main" val="3408875528"/>
+      </p:ext>
+    </p:extLst>
+  </p:cSld>
+  <p:clrMapOvr>
+    <a:masterClrMapping/>
+  </p:clrMapOvr>
+</p:sld>
+</file>
+
+<file path=ppt/slides/slide48.xml><?xml version="1.0" encoding="utf-8"?>
+<p:sld xmlns:a="http://schemas.openxmlformats.org/drawingml/2006/main" xmlns:r="http://schemas.openxmlformats.org/officeDocument/2006/relationships" xmlns:p="http://schemas.openxmlformats.org/presentationml/2006/main">
+  <p:cSld>
+    <p:spTree>
+      <p:nvGrpSpPr>
+        <p:cNvPr id="1" name=""/>
+        <p:cNvGrpSpPr/>
+        <p:nvPr/>
+      </p:nvGrpSpPr>
+      <p:grpSpPr>
+        <a:xfrm>
+          <a:off x="0" y="0"/>
+          <a:ext cx="0" cy="0"/>
+          <a:chOff x="0" y="0"/>
+          <a:chExt cx="0" cy="0"/>
+        </a:xfrm>
+      </p:grpSpPr>
+      <p:sp>
+        <p:nvSpPr>
+          <p:cNvPr id="2" name="Titre 1">
+            <a:extLst>
+              <a:ext uri="{FF2B5EF4-FFF2-40B4-BE49-F238E27FC236}">
+                <a16:creationId xmlns:a16="http://schemas.microsoft.com/office/drawing/2014/main" id="{B0C98D17-C5E8-0F6C-A1AF-292E0D0494C2}"/>
+              </a:ext>
+            </a:extLst>
+          </p:cNvPr>
+          <p:cNvSpPr>
+            <a:spLocks noGrp="1"/>
+          </p:cNvSpPr>
+          <p:nvPr>
+            <p:ph type="title"/>
+          </p:nvPr>
+        </p:nvSpPr>
+        <p:spPr/>
+        <p:txBody>
+          <a:bodyPr/>
+          <a:lstStyle/>
+          <a:p>
+            <a:endParaRPr lang="fr-BE"/>
+          </a:p>
+        </p:txBody>
+      </p:sp>
+      <p:sp>
+        <p:nvSpPr>
+          <p:cNvPr id="3" name="Espace réservé du contenu 2">
+            <a:extLst>
+              <a:ext uri="{FF2B5EF4-FFF2-40B4-BE49-F238E27FC236}">
+                <a16:creationId xmlns:a16="http://schemas.microsoft.com/office/drawing/2014/main" id="{951363E4-2568-7B4B-D91A-3763137A5976}"/>
+              </a:ext>
+            </a:extLst>
+          </p:cNvPr>
+          <p:cNvSpPr>
+            <a:spLocks noGrp="1"/>
+          </p:cNvSpPr>
+          <p:nvPr>
+            <p:ph idx="1"/>
+          </p:nvPr>
+        </p:nvSpPr>
+        <p:spPr/>
+        <p:txBody>
+          <a:bodyPr/>
+          <a:lstStyle/>
+          <a:p>
+            <a:endParaRPr lang="fr-BE"/>
+          </a:p>
+        </p:txBody>
+      </p:sp>
+    </p:spTree>
+    <p:extLst>
+      <p:ext uri="{BB962C8B-B14F-4D97-AF65-F5344CB8AC3E}">
+        <p14:creationId xmlns:p14="http://schemas.microsoft.com/office/powerpoint/2010/main" val="1462404812"/>
+      </p:ext>
+    </p:extLst>
+  </p:cSld>
+  <p:clrMapOvr>
+    <a:masterClrMapping/>
+  </p:clrMapOvr>
+</p:sld>
+</file>
+
+<file path=ppt/slides/slide49.xml><?xml version="1.0" encoding="utf-8"?>
+<p:sld xmlns:a="http://schemas.openxmlformats.org/drawingml/2006/main" xmlns:r="http://schemas.openxmlformats.org/officeDocument/2006/relationships" xmlns:p="http://schemas.openxmlformats.org/presentationml/2006/main">
+  <p:cSld>
+    <p:spTree>
+      <p:nvGrpSpPr>
+        <p:cNvPr id="1" name=""/>
+        <p:cNvGrpSpPr/>
+        <p:nvPr/>
+      </p:nvGrpSpPr>
+      <p:grpSpPr>
+        <a:xfrm>
+          <a:off x="0" y="0"/>
+          <a:ext cx="0" cy="0"/>
+          <a:chOff x="0" y="0"/>
+          <a:chExt cx="0" cy="0"/>
+        </a:xfrm>
+      </p:grpSpPr>
+      <p:sp>
+        <p:nvSpPr>
+          <p:cNvPr id="2" name="Titre 1">
+            <a:extLst>
+              <a:ext uri="{FF2B5EF4-FFF2-40B4-BE49-F238E27FC236}">
+                <a16:creationId xmlns:a16="http://schemas.microsoft.com/office/drawing/2014/main" id="{14B52CD2-EB5A-4418-3F79-DD3129D2528E}"/>
+              </a:ext>
+            </a:extLst>
+          </p:cNvPr>
+          <p:cNvSpPr>
+            <a:spLocks noGrp="1"/>
+          </p:cNvSpPr>
+          <p:nvPr>
+            <p:ph type="title"/>
+          </p:nvPr>
+        </p:nvSpPr>
+        <p:spPr/>
+        <p:txBody>
+          <a:bodyPr/>
+          <a:lstStyle/>
+          <a:p>
+            <a:endParaRPr lang="fr-BE"/>
+          </a:p>
+        </p:txBody>
+      </p:sp>
+      <p:sp>
+        <p:nvSpPr>
+          <p:cNvPr id="3" name="Espace réservé du contenu 2">
+            <a:extLst>
+              <a:ext uri="{FF2B5EF4-FFF2-40B4-BE49-F238E27FC236}">
+                <a16:creationId xmlns:a16="http://schemas.microsoft.com/office/drawing/2014/main" id="{8AF76F4F-946F-594B-98AF-858AF9327F5E}"/>
+              </a:ext>
+            </a:extLst>
+          </p:cNvPr>
+          <p:cNvSpPr>
+            <a:spLocks noGrp="1"/>
+          </p:cNvSpPr>
+          <p:nvPr>
+            <p:ph idx="1"/>
+          </p:nvPr>
+        </p:nvSpPr>
+        <p:spPr/>
+        <p:txBody>
+          <a:bodyPr/>
+          <a:lstStyle/>
+          <a:p>
+            <a:endParaRPr lang="fr-BE"/>
+          </a:p>
+        </p:txBody>
+      </p:sp>
+    </p:spTree>
+    <p:extLst>
+      <p:ext uri="{BB962C8B-B14F-4D97-AF65-F5344CB8AC3E}">
+        <p14:creationId xmlns:p14="http://schemas.microsoft.com/office/powerpoint/2010/main" val="552433639"/>
       </p:ext>
     </p:extLst>
   </p:cSld>
@@ -8282,6 +8770,326 @@
     <p:extLst>
       <p:ext uri="{BB962C8B-B14F-4D97-AF65-F5344CB8AC3E}">
         <p14:creationId xmlns:p14="http://schemas.microsoft.com/office/powerpoint/2010/main" val="1245014953"/>
+      </p:ext>
+    </p:extLst>
+  </p:cSld>
+  <p:clrMapOvr>
+    <a:masterClrMapping/>
+  </p:clrMapOvr>
+</p:sld>
+</file>
+
+<file path=ppt/slides/slide50.xml><?xml version="1.0" encoding="utf-8"?>
+<p:sld xmlns:a="http://schemas.openxmlformats.org/drawingml/2006/main" xmlns:r="http://schemas.openxmlformats.org/officeDocument/2006/relationships" xmlns:p="http://schemas.openxmlformats.org/presentationml/2006/main">
+  <p:cSld>
+    <p:spTree>
+      <p:nvGrpSpPr>
+        <p:cNvPr id="1" name=""/>
+        <p:cNvGrpSpPr/>
+        <p:nvPr/>
+      </p:nvGrpSpPr>
+      <p:grpSpPr>
+        <a:xfrm>
+          <a:off x="0" y="0"/>
+          <a:ext cx="0" cy="0"/>
+          <a:chOff x="0" y="0"/>
+          <a:chExt cx="0" cy="0"/>
+        </a:xfrm>
+      </p:grpSpPr>
+      <p:sp>
+        <p:nvSpPr>
+          <p:cNvPr id="2" name="Titre 1">
+            <a:extLst>
+              <a:ext uri="{FF2B5EF4-FFF2-40B4-BE49-F238E27FC236}">
+                <a16:creationId xmlns:a16="http://schemas.microsoft.com/office/drawing/2014/main" id="{53052B78-0552-FB9B-1B33-9C0536FF59CF}"/>
+              </a:ext>
+            </a:extLst>
+          </p:cNvPr>
+          <p:cNvSpPr>
+            <a:spLocks noGrp="1"/>
+          </p:cNvSpPr>
+          <p:nvPr>
+            <p:ph type="title"/>
+          </p:nvPr>
+        </p:nvSpPr>
+        <p:spPr/>
+        <p:txBody>
+          <a:bodyPr/>
+          <a:lstStyle/>
+          <a:p>
+            <a:endParaRPr lang="fr-BE"/>
+          </a:p>
+        </p:txBody>
+      </p:sp>
+      <p:sp>
+        <p:nvSpPr>
+          <p:cNvPr id="3" name="Espace réservé du contenu 2">
+            <a:extLst>
+              <a:ext uri="{FF2B5EF4-FFF2-40B4-BE49-F238E27FC236}">
+                <a16:creationId xmlns:a16="http://schemas.microsoft.com/office/drawing/2014/main" id="{628CDA9E-150C-0B04-AE9A-C3EABA5F6A21}"/>
+              </a:ext>
+            </a:extLst>
+          </p:cNvPr>
+          <p:cNvSpPr>
+            <a:spLocks noGrp="1"/>
+          </p:cNvSpPr>
+          <p:nvPr>
+            <p:ph idx="1"/>
+          </p:nvPr>
+        </p:nvSpPr>
+        <p:spPr/>
+        <p:txBody>
+          <a:bodyPr/>
+          <a:lstStyle/>
+          <a:p>
+            <a:endParaRPr lang="fr-BE"/>
+          </a:p>
+        </p:txBody>
+      </p:sp>
+    </p:spTree>
+    <p:extLst>
+      <p:ext uri="{BB962C8B-B14F-4D97-AF65-F5344CB8AC3E}">
+        <p14:creationId xmlns:p14="http://schemas.microsoft.com/office/powerpoint/2010/main" val="3951971659"/>
+      </p:ext>
+    </p:extLst>
+  </p:cSld>
+  <p:clrMapOvr>
+    <a:masterClrMapping/>
+  </p:clrMapOvr>
+</p:sld>
+</file>
+
+<file path=ppt/slides/slide51.xml><?xml version="1.0" encoding="utf-8"?>
+<p:sld xmlns:a="http://schemas.openxmlformats.org/drawingml/2006/main" xmlns:r="http://schemas.openxmlformats.org/officeDocument/2006/relationships" xmlns:p="http://schemas.openxmlformats.org/presentationml/2006/main">
+  <p:cSld>
+    <p:spTree>
+      <p:nvGrpSpPr>
+        <p:cNvPr id="1" name=""/>
+        <p:cNvGrpSpPr/>
+        <p:nvPr/>
+      </p:nvGrpSpPr>
+      <p:grpSpPr>
+        <a:xfrm>
+          <a:off x="0" y="0"/>
+          <a:ext cx="0" cy="0"/>
+          <a:chOff x="0" y="0"/>
+          <a:chExt cx="0" cy="0"/>
+        </a:xfrm>
+      </p:grpSpPr>
+      <p:sp>
+        <p:nvSpPr>
+          <p:cNvPr id="2" name="Titre 1">
+            <a:extLst>
+              <a:ext uri="{FF2B5EF4-FFF2-40B4-BE49-F238E27FC236}">
+                <a16:creationId xmlns:a16="http://schemas.microsoft.com/office/drawing/2014/main" id="{C6AF57E8-C999-D30C-09E4-431126390225}"/>
+              </a:ext>
+            </a:extLst>
+          </p:cNvPr>
+          <p:cNvSpPr>
+            <a:spLocks noGrp="1"/>
+          </p:cNvSpPr>
+          <p:nvPr>
+            <p:ph type="title"/>
+          </p:nvPr>
+        </p:nvSpPr>
+        <p:spPr/>
+        <p:txBody>
+          <a:bodyPr/>
+          <a:lstStyle/>
+          <a:p>
+            <a:endParaRPr lang="fr-BE"/>
+          </a:p>
+        </p:txBody>
+      </p:sp>
+      <p:sp>
+        <p:nvSpPr>
+          <p:cNvPr id="3" name="Espace réservé du contenu 2">
+            <a:extLst>
+              <a:ext uri="{FF2B5EF4-FFF2-40B4-BE49-F238E27FC236}">
+                <a16:creationId xmlns:a16="http://schemas.microsoft.com/office/drawing/2014/main" id="{DBCC132B-4C59-DA4F-072B-59B9D2B4E391}"/>
+              </a:ext>
+            </a:extLst>
+          </p:cNvPr>
+          <p:cNvSpPr>
+            <a:spLocks noGrp="1"/>
+          </p:cNvSpPr>
+          <p:nvPr>
+            <p:ph idx="1"/>
+          </p:nvPr>
+        </p:nvSpPr>
+        <p:spPr/>
+        <p:txBody>
+          <a:bodyPr/>
+          <a:lstStyle/>
+          <a:p>
+            <a:endParaRPr lang="fr-BE"/>
+          </a:p>
+        </p:txBody>
+      </p:sp>
+    </p:spTree>
+    <p:extLst>
+      <p:ext uri="{BB962C8B-B14F-4D97-AF65-F5344CB8AC3E}">
+        <p14:creationId xmlns:p14="http://schemas.microsoft.com/office/powerpoint/2010/main" val="598961588"/>
+      </p:ext>
+    </p:extLst>
+  </p:cSld>
+  <p:clrMapOvr>
+    <a:masterClrMapping/>
+  </p:clrMapOvr>
+</p:sld>
+</file>
+
+<file path=ppt/slides/slide52.xml><?xml version="1.0" encoding="utf-8"?>
+<p:sld xmlns:a="http://schemas.openxmlformats.org/drawingml/2006/main" xmlns:r="http://schemas.openxmlformats.org/officeDocument/2006/relationships" xmlns:p="http://schemas.openxmlformats.org/presentationml/2006/main">
+  <p:cSld>
+    <p:spTree>
+      <p:nvGrpSpPr>
+        <p:cNvPr id="1" name=""/>
+        <p:cNvGrpSpPr/>
+        <p:nvPr/>
+      </p:nvGrpSpPr>
+      <p:grpSpPr>
+        <a:xfrm>
+          <a:off x="0" y="0"/>
+          <a:ext cx="0" cy="0"/>
+          <a:chOff x="0" y="0"/>
+          <a:chExt cx="0" cy="0"/>
+        </a:xfrm>
+      </p:grpSpPr>
+      <p:sp>
+        <p:nvSpPr>
+          <p:cNvPr id="2" name="Titre 1">
+            <a:extLst>
+              <a:ext uri="{FF2B5EF4-FFF2-40B4-BE49-F238E27FC236}">
+                <a16:creationId xmlns:a16="http://schemas.microsoft.com/office/drawing/2014/main" id="{8970A576-1A4A-B300-6733-B6138FFC9283}"/>
+              </a:ext>
+            </a:extLst>
+          </p:cNvPr>
+          <p:cNvSpPr>
+            <a:spLocks noGrp="1"/>
+          </p:cNvSpPr>
+          <p:nvPr>
+            <p:ph type="title"/>
+          </p:nvPr>
+        </p:nvSpPr>
+        <p:spPr/>
+        <p:txBody>
+          <a:bodyPr/>
+          <a:lstStyle/>
+          <a:p>
+            <a:endParaRPr lang="fr-BE"/>
+          </a:p>
+        </p:txBody>
+      </p:sp>
+      <p:sp>
+        <p:nvSpPr>
+          <p:cNvPr id="3" name="Espace réservé du contenu 2">
+            <a:extLst>
+              <a:ext uri="{FF2B5EF4-FFF2-40B4-BE49-F238E27FC236}">
+                <a16:creationId xmlns:a16="http://schemas.microsoft.com/office/drawing/2014/main" id="{E1060295-9492-209A-A688-78E53E99BA52}"/>
+              </a:ext>
+            </a:extLst>
+          </p:cNvPr>
+          <p:cNvSpPr>
+            <a:spLocks noGrp="1"/>
+          </p:cNvSpPr>
+          <p:nvPr>
+            <p:ph idx="1"/>
+          </p:nvPr>
+        </p:nvSpPr>
+        <p:spPr/>
+        <p:txBody>
+          <a:bodyPr/>
+          <a:lstStyle/>
+          <a:p>
+            <a:endParaRPr lang="fr-BE"/>
+          </a:p>
+        </p:txBody>
+      </p:sp>
+    </p:spTree>
+    <p:extLst>
+      <p:ext uri="{BB962C8B-B14F-4D97-AF65-F5344CB8AC3E}">
+        <p14:creationId xmlns:p14="http://schemas.microsoft.com/office/powerpoint/2010/main" val="2310192782"/>
+      </p:ext>
+    </p:extLst>
+  </p:cSld>
+  <p:clrMapOvr>
+    <a:masterClrMapping/>
+  </p:clrMapOvr>
+</p:sld>
+</file>
+
+<file path=ppt/slides/slide53.xml><?xml version="1.0" encoding="utf-8"?>
+<p:sld xmlns:a="http://schemas.openxmlformats.org/drawingml/2006/main" xmlns:r="http://schemas.openxmlformats.org/officeDocument/2006/relationships" xmlns:p="http://schemas.openxmlformats.org/presentationml/2006/main">
+  <p:cSld>
+    <p:spTree>
+      <p:nvGrpSpPr>
+        <p:cNvPr id="1" name=""/>
+        <p:cNvGrpSpPr/>
+        <p:nvPr/>
+      </p:nvGrpSpPr>
+      <p:grpSpPr>
+        <a:xfrm>
+          <a:off x="0" y="0"/>
+          <a:ext cx="0" cy="0"/>
+          <a:chOff x="0" y="0"/>
+          <a:chExt cx="0" cy="0"/>
+        </a:xfrm>
+      </p:grpSpPr>
+      <p:sp>
+        <p:nvSpPr>
+          <p:cNvPr id="2" name="Titre 1">
+            <a:extLst>
+              <a:ext uri="{FF2B5EF4-FFF2-40B4-BE49-F238E27FC236}">
+                <a16:creationId xmlns:a16="http://schemas.microsoft.com/office/drawing/2014/main" id="{A9AA1387-1590-A8B9-E858-9CFE05CB7CFC}"/>
+              </a:ext>
+            </a:extLst>
+          </p:cNvPr>
+          <p:cNvSpPr>
+            <a:spLocks noGrp="1"/>
+          </p:cNvSpPr>
+          <p:nvPr>
+            <p:ph type="title"/>
+          </p:nvPr>
+        </p:nvSpPr>
+        <p:spPr/>
+        <p:txBody>
+          <a:bodyPr/>
+          <a:lstStyle/>
+          <a:p>
+            <a:endParaRPr lang="fr-BE"/>
+          </a:p>
+        </p:txBody>
+      </p:sp>
+      <p:sp>
+        <p:nvSpPr>
+          <p:cNvPr id="3" name="Espace réservé du contenu 2">
+            <a:extLst>
+              <a:ext uri="{FF2B5EF4-FFF2-40B4-BE49-F238E27FC236}">
+                <a16:creationId xmlns:a16="http://schemas.microsoft.com/office/drawing/2014/main" id="{C42280FA-41D0-6D04-3B55-E00A005963BB}"/>
+              </a:ext>
+            </a:extLst>
+          </p:cNvPr>
+          <p:cNvSpPr>
+            <a:spLocks noGrp="1"/>
+          </p:cNvSpPr>
+          <p:nvPr>
+            <p:ph idx="1"/>
+          </p:nvPr>
+        </p:nvSpPr>
+        <p:spPr/>
+        <p:txBody>
+          <a:bodyPr/>
+          <a:lstStyle/>
+          <a:p>
+            <a:endParaRPr lang="fr-BE"/>
+          </a:p>
+        </p:txBody>
+      </p:sp>
+    </p:spTree>
+    <p:extLst>
+      <p:ext uri="{BB962C8B-B14F-4D97-AF65-F5344CB8AC3E}">
+        <p14:creationId xmlns:p14="http://schemas.microsoft.com/office/powerpoint/2010/main" val="794721125"/>
       </p:ext>
     </p:extLst>
   </p:cSld>

--- a/Chapitre 4.pptx
+++ b/Chapitre 4.pptx
@@ -17456,7 +17456,7 @@
           <p:nvPr/>
         </p:nvPicPr>
         <p:blipFill>
-          <a:blip r:embed="rId3">
+          <a:blip r:embed="rId4">
             <a:extLst>
               <a:ext uri="{28A0092B-C50C-407E-A947-70E740481C1C}">
                 <a14:useLocalDpi xmlns:a14="http://schemas.microsoft.com/office/drawing/2010/main" val="0"/>
@@ -17492,7 +17492,7 @@
           <p:nvPr/>
         </p:nvPicPr>
         <p:blipFill>
-          <a:blip r:embed="rId4">
+          <a:blip r:embed="rId5">
             <a:extLst>
               <a:ext uri="{28A0092B-C50C-407E-A947-70E740481C1C}">
                 <a14:useLocalDpi xmlns:a14="http://schemas.microsoft.com/office/drawing/2010/main" val="0"/>
@@ -17528,7 +17528,7 @@
           <p:nvPr/>
         </p:nvPicPr>
         <p:blipFill>
-          <a:blip r:embed="rId5">
+          <a:blip r:embed="rId6">
             <a:extLst>
               <a:ext uri="{28A0092B-C50C-407E-A947-70E740481C1C}">
                 <a14:useLocalDpi xmlns:a14="http://schemas.microsoft.com/office/drawing/2010/main" val="0"/>
@@ -17915,9 +17915,9 @@
       </p:par>
     </p:tnLst>
   </p:timing>
-  <p:extLst mod="1">
+  <p:extLst>
     <p:ext uri="{6950BFC3-D8DA-4A85-94F7-54DA5524770B}">
-      <p188:commentRel xmlns:p188="http://schemas.microsoft.com/office/powerpoint/2018/8/main" xmlns="" r:id="rId6"/>
+      <p188:commentRel xmlns:p188="http://schemas.microsoft.com/office/powerpoint/2018/8/main" r:id="rId3"/>
     </p:ext>
   </p:extLst>
 </p:sld>
@@ -23343,11 +23343,23 @@
             </a:r>
           </a:p>
           <a:p>
+            <a:pPr lvl="3"/>
+            <a:endParaRPr lang="fr-BE" dirty="0"/>
+          </a:p>
+          <a:p>
             <a:pPr lvl="2"/>
+            <a:endParaRPr lang="fr-BE" dirty="0"/>
+          </a:p>
+          <a:p>
+            <a:pPr lvl="2"/>
             <a:r>
               <a:rPr lang="fr-BE" dirty="0"/>
-              <a:t>http</a:t>
-            </a:r>
+              <a:t>http </a:t>
+            </a:r>
+          </a:p>
+          <a:p>
+            <a:pPr lvl="3"/>
+            <a:endParaRPr lang="fr-BE" dirty="0"/>
           </a:p>
           <a:p>
             <a:pPr lvl="2"/>
@@ -23357,14 +23369,169 @@
             </a:r>
           </a:p>
           <a:p>
+            <a:pPr lvl="3"/>
+            <a:endParaRPr lang="fr-BE" dirty="0"/>
+          </a:p>
+          <a:p>
             <a:pPr lvl="2"/>
             <a:r>
               <a:rPr lang="fr-BE" dirty="0"/>
               <a:t>Git</a:t>
             </a:r>
           </a:p>
+          <a:p>
+            <a:pPr lvl="3"/>
+            <a:r>
+              <a:rPr lang="fr-BE" dirty="0"/>
+              <a:t>Comme SSH mais sans sécurité mais en plus rapide</a:t>
+            </a:r>
+          </a:p>
         </p:txBody>
       </p:sp>
+      <p:pic>
+        <p:nvPicPr>
+          <p:cNvPr id="5" name="Image 4">
+            <a:extLst>
+              <a:ext uri="{FF2B5EF4-FFF2-40B4-BE49-F238E27FC236}">
+                <a16:creationId xmlns:a16="http://schemas.microsoft.com/office/drawing/2014/main" id="{BFF78D35-6D12-3519-E685-0BA30C801F73}"/>
+              </a:ext>
+            </a:extLst>
+          </p:cNvPr>
+          <p:cNvPicPr>
+            <a:picLocks noChangeAspect="1"/>
+          </p:cNvPicPr>
+          <p:nvPr/>
+        </p:nvPicPr>
+        <p:blipFill>
+          <a:blip r:embed="rId2">
+            <a:extLst>
+              <a:ext uri="{28A0092B-C50C-407E-A947-70E740481C1C}">
+                <a14:useLocalDpi xmlns:a14="http://schemas.microsoft.com/office/drawing/2010/main" val="0"/>
+              </a:ext>
+            </a:extLst>
+          </a:blip>
+          <a:stretch>
+            <a:fillRect/>
+          </a:stretch>
+        </p:blipFill>
+        <p:spPr>
+          <a:xfrm>
+            <a:off x="3149567" y="2258787"/>
+            <a:ext cx="6325483" cy="295316"/>
+          </a:xfrm>
+          <a:prstGeom prst="rect">
+            <a:avLst/>
+          </a:prstGeom>
+        </p:spPr>
+      </p:pic>
+      <p:pic>
+        <p:nvPicPr>
+          <p:cNvPr id="7" name="Image 6">
+            <a:extLst>
+              <a:ext uri="{FF2B5EF4-FFF2-40B4-BE49-F238E27FC236}">
+                <a16:creationId xmlns:a16="http://schemas.microsoft.com/office/drawing/2014/main" id="{E0045038-0C98-1C56-49A0-C40DCB4A170B}"/>
+              </a:ext>
+            </a:extLst>
+          </p:cNvPr>
+          <p:cNvPicPr>
+            <a:picLocks noChangeAspect="1"/>
+          </p:cNvPicPr>
+          <p:nvPr/>
+        </p:nvPicPr>
+        <p:blipFill>
+          <a:blip r:embed="rId3">
+            <a:extLst>
+              <a:ext uri="{28A0092B-C50C-407E-A947-70E740481C1C}">
+                <a14:useLocalDpi xmlns:a14="http://schemas.microsoft.com/office/drawing/2010/main" val="0"/>
+              </a:ext>
+            </a:extLst>
+          </a:blip>
+          <a:stretch>
+            <a:fillRect/>
+          </a:stretch>
+        </p:blipFill>
+        <p:spPr>
+          <a:xfrm>
+            <a:off x="3149567" y="2554103"/>
+            <a:ext cx="6325483" cy="314369"/>
+          </a:xfrm>
+          <a:prstGeom prst="rect">
+            <a:avLst/>
+          </a:prstGeom>
+        </p:spPr>
+      </p:pic>
+      <p:pic>
+        <p:nvPicPr>
+          <p:cNvPr id="9" name="Image 8">
+            <a:extLst>
+              <a:ext uri="{FF2B5EF4-FFF2-40B4-BE49-F238E27FC236}">
+                <a16:creationId xmlns:a16="http://schemas.microsoft.com/office/drawing/2014/main" id="{0A8E184D-1043-E560-E654-8B5A1750AFCD}"/>
+              </a:ext>
+            </a:extLst>
+          </p:cNvPr>
+          <p:cNvPicPr>
+            <a:picLocks noChangeAspect="1"/>
+          </p:cNvPicPr>
+          <p:nvPr/>
+        </p:nvPicPr>
+        <p:blipFill>
+          <a:blip r:embed="rId4">
+            <a:extLst>
+              <a:ext uri="{28A0092B-C50C-407E-A947-70E740481C1C}">
+                <a14:useLocalDpi xmlns:a14="http://schemas.microsoft.com/office/drawing/2010/main" val="0"/>
+              </a:ext>
+            </a:extLst>
+          </a:blip>
+          <a:stretch>
+            <a:fillRect/>
+          </a:stretch>
+        </p:blipFill>
+        <p:spPr>
+          <a:xfrm>
+            <a:off x="3149566" y="3220323"/>
+            <a:ext cx="6325483" cy="295316"/>
+          </a:xfrm>
+          <a:prstGeom prst="rect">
+            <a:avLst/>
+          </a:prstGeom>
+        </p:spPr>
+      </p:pic>
+      <p:pic>
+        <p:nvPicPr>
+          <p:cNvPr id="11" name="Image 10">
+            <a:extLst>
+              <a:ext uri="{FF2B5EF4-FFF2-40B4-BE49-F238E27FC236}">
+                <a16:creationId xmlns:a16="http://schemas.microsoft.com/office/drawing/2014/main" id="{F79C90C9-ACD2-59A9-C082-E8B4AF0414DB}"/>
+              </a:ext>
+            </a:extLst>
+          </p:cNvPr>
+          <p:cNvPicPr>
+            <a:picLocks noChangeAspect="1"/>
+          </p:cNvPicPr>
+          <p:nvPr/>
+        </p:nvPicPr>
+        <p:blipFill>
+          <a:blip r:embed="rId5">
+            <a:extLst>
+              <a:ext uri="{28A0092B-C50C-407E-A947-70E740481C1C}">
+                <a14:useLocalDpi xmlns:a14="http://schemas.microsoft.com/office/drawing/2010/main" val="0"/>
+              </a:ext>
+            </a:extLst>
+          </a:blip>
+          <a:stretch>
+            <a:fillRect/>
+          </a:stretch>
+        </p:blipFill>
+        <p:spPr>
+          <a:xfrm>
+            <a:off x="3149566" y="3886543"/>
+            <a:ext cx="6315956" cy="295316"/>
+          </a:xfrm>
+          <a:prstGeom prst="rect">
+            <a:avLst/>
+          </a:prstGeom>
+        </p:spPr>
+      </p:pic>
     </p:spTree>
     <p:extLst>
       <p:ext uri="{BB962C8B-B14F-4D97-AF65-F5344CB8AC3E}">
@@ -23375,6 +23542,517 @@
   <p:clrMapOvr>
     <a:masterClrMapping/>
   </p:clrMapOvr>
+  <p:timing>
+    <p:tnLst>
+      <p:par>
+        <p:cTn id="1" dur="indefinite" restart="never" nodeType="tmRoot">
+          <p:childTnLst>
+            <p:seq concurrent="1" nextAc="seek">
+              <p:cTn id="2" dur="indefinite" nodeType="mainSeq">
+                <p:childTnLst>
+                  <p:par>
+                    <p:cTn id="3" fill="hold">
+                      <p:stCondLst>
+                        <p:cond delay="indefinite"/>
+                      </p:stCondLst>
+                      <p:childTnLst>
+                        <p:par>
+                          <p:cTn id="4" fill="hold">
+                            <p:stCondLst>
+                              <p:cond delay="0"/>
+                            </p:stCondLst>
+                            <p:childTnLst>
+                              <p:par>
+                                <p:cTn id="5" presetID="10" presetClass="entr" presetSubtype="0" fill="hold" nodeType="clickEffect">
+                                  <p:stCondLst>
+                                    <p:cond delay="0"/>
+                                  </p:stCondLst>
+                                  <p:childTnLst>
+                                    <p:set>
+                                      <p:cBhvr>
+                                        <p:cTn id="6" dur="1" fill="hold">
+                                          <p:stCondLst>
+                                            <p:cond delay="0"/>
+                                          </p:stCondLst>
+                                        </p:cTn>
+                                        <p:tgtEl>
+                                          <p:spTgt spid="3">
+                                            <p:txEl>
+                                              <p:pRg st="1" end="1"/>
+                                            </p:txEl>
+                                          </p:spTgt>
+                                        </p:tgtEl>
+                                        <p:attrNameLst>
+                                          <p:attrName>style.visibility</p:attrName>
+                                        </p:attrNameLst>
+                                      </p:cBhvr>
+                                      <p:to>
+                                        <p:strVal val="visible"/>
+                                      </p:to>
+                                    </p:set>
+                                    <p:animEffect transition="in" filter="fade">
+                                      <p:cBhvr>
+                                        <p:cTn id="7" dur="500"/>
+                                        <p:tgtEl>
+                                          <p:spTgt spid="3">
+                                            <p:txEl>
+                                              <p:pRg st="1" end="1"/>
+                                            </p:txEl>
+                                          </p:spTgt>
+                                        </p:tgtEl>
+                                      </p:cBhvr>
+                                    </p:animEffect>
+                                  </p:childTnLst>
+                                </p:cTn>
+                              </p:par>
+                            </p:childTnLst>
+                          </p:cTn>
+                        </p:par>
+                      </p:childTnLst>
+                    </p:cTn>
+                  </p:par>
+                  <p:par>
+                    <p:cTn id="8" fill="hold">
+                      <p:stCondLst>
+                        <p:cond delay="indefinite"/>
+                      </p:stCondLst>
+                      <p:childTnLst>
+                        <p:par>
+                          <p:cTn id="9" fill="hold">
+                            <p:stCondLst>
+                              <p:cond delay="0"/>
+                            </p:stCondLst>
+                            <p:childTnLst>
+                              <p:par>
+                                <p:cTn id="10" presetID="10" presetClass="entr" presetSubtype="0" fill="hold" nodeType="clickEffect">
+                                  <p:stCondLst>
+                                    <p:cond delay="0"/>
+                                  </p:stCondLst>
+                                  <p:childTnLst>
+                                    <p:set>
+                                      <p:cBhvr>
+                                        <p:cTn id="11" dur="1" fill="hold">
+                                          <p:stCondLst>
+                                            <p:cond delay="0"/>
+                                          </p:stCondLst>
+                                        </p:cTn>
+                                        <p:tgtEl>
+                                          <p:spTgt spid="5"/>
+                                        </p:tgtEl>
+                                        <p:attrNameLst>
+                                          <p:attrName>style.visibility</p:attrName>
+                                        </p:attrNameLst>
+                                      </p:cBhvr>
+                                      <p:to>
+                                        <p:strVal val="visible"/>
+                                      </p:to>
+                                    </p:set>
+                                    <p:animEffect transition="in" filter="fade">
+                                      <p:cBhvr>
+                                        <p:cTn id="12" dur="500"/>
+                                        <p:tgtEl>
+                                          <p:spTgt spid="5"/>
+                                        </p:tgtEl>
+                                      </p:cBhvr>
+                                    </p:animEffect>
+                                  </p:childTnLst>
+                                </p:cTn>
+                              </p:par>
+                              <p:par>
+                                <p:cTn id="13" presetID="10" presetClass="entr" presetSubtype="0" fill="hold" nodeType="withEffect">
+                                  <p:stCondLst>
+                                    <p:cond delay="0"/>
+                                  </p:stCondLst>
+                                  <p:childTnLst>
+                                    <p:set>
+                                      <p:cBhvr>
+                                        <p:cTn id="14" dur="1" fill="hold">
+                                          <p:stCondLst>
+                                            <p:cond delay="0"/>
+                                          </p:stCondLst>
+                                        </p:cTn>
+                                        <p:tgtEl>
+                                          <p:spTgt spid="7"/>
+                                        </p:tgtEl>
+                                        <p:attrNameLst>
+                                          <p:attrName>style.visibility</p:attrName>
+                                        </p:attrNameLst>
+                                      </p:cBhvr>
+                                      <p:to>
+                                        <p:strVal val="visible"/>
+                                      </p:to>
+                                    </p:set>
+                                    <p:animEffect transition="in" filter="fade">
+                                      <p:cBhvr>
+                                        <p:cTn id="15" dur="500"/>
+                                        <p:tgtEl>
+                                          <p:spTgt spid="7"/>
+                                        </p:tgtEl>
+                                      </p:cBhvr>
+                                    </p:animEffect>
+                                  </p:childTnLst>
+                                </p:cTn>
+                              </p:par>
+                            </p:childTnLst>
+                          </p:cTn>
+                        </p:par>
+                      </p:childTnLst>
+                    </p:cTn>
+                  </p:par>
+                  <p:par>
+                    <p:cTn id="16" fill="hold">
+                      <p:stCondLst>
+                        <p:cond delay="indefinite"/>
+                      </p:stCondLst>
+                      <p:childTnLst>
+                        <p:par>
+                          <p:cTn id="17" fill="hold">
+                            <p:stCondLst>
+                              <p:cond delay="0"/>
+                            </p:stCondLst>
+                            <p:childTnLst>
+                              <p:par>
+                                <p:cTn id="18" presetID="10" presetClass="entr" presetSubtype="0" fill="hold" nodeType="clickEffect">
+                                  <p:stCondLst>
+                                    <p:cond delay="0"/>
+                                  </p:stCondLst>
+                                  <p:childTnLst>
+                                    <p:set>
+                                      <p:cBhvr>
+                                        <p:cTn id="19" dur="1" fill="hold">
+                                          <p:stCondLst>
+                                            <p:cond delay="0"/>
+                                          </p:stCondLst>
+                                        </p:cTn>
+                                        <p:tgtEl>
+                                          <p:spTgt spid="3">
+                                            <p:txEl>
+                                              <p:pRg st="4" end="4"/>
+                                            </p:txEl>
+                                          </p:spTgt>
+                                        </p:tgtEl>
+                                        <p:attrNameLst>
+                                          <p:attrName>style.visibility</p:attrName>
+                                        </p:attrNameLst>
+                                      </p:cBhvr>
+                                      <p:to>
+                                        <p:strVal val="visible"/>
+                                      </p:to>
+                                    </p:set>
+                                    <p:animEffect transition="in" filter="fade">
+                                      <p:cBhvr>
+                                        <p:cTn id="20" dur="500"/>
+                                        <p:tgtEl>
+                                          <p:spTgt spid="3">
+                                            <p:txEl>
+                                              <p:pRg st="4" end="4"/>
+                                            </p:txEl>
+                                          </p:spTgt>
+                                        </p:tgtEl>
+                                      </p:cBhvr>
+                                    </p:animEffect>
+                                  </p:childTnLst>
+                                </p:cTn>
+                              </p:par>
+                            </p:childTnLst>
+                          </p:cTn>
+                        </p:par>
+                      </p:childTnLst>
+                    </p:cTn>
+                  </p:par>
+                  <p:par>
+                    <p:cTn id="21" fill="hold">
+                      <p:stCondLst>
+                        <p:cond delay="indefinite"/>
+                      </p:stCondLst>
+                      <p:childTnLst>
+                        <p:par>
+                          <p:cTn id="22" fill="hold">
+                            <p:stCondLst>
+                              <p:cond delay="0"/>
+                            </p:stCondLst>
+                            <p:childTnLst>
+                              <p:par>
+                                <p:cTn id="23" presetID="10" presetClass="entr" presetSubtype="0" fill="hold" nodeType="clickEffect">
+                                  <p:stCondLst>
+                                    <p:cond delay="0"/>
+                                  </p:stCondLst>
+                                  <p:childTnLst>
+                                    <p:set>
+                                      <p:cBhvr>
+                                        <p:cTn id="24" dur="1" fill="hold">
+                                          <p:stCondLst>
+                                            <p:cond delay="0"/>
+                                          </p:stCondLst>
+                                        </p:cTn>
+                                        <p:tgtEl>
+                                          <p:spTgt spid="9"/>
+                                        </p:tgtEl>
+                                        <p:attrNameLst>
+                                          <p:attrName>style.visibility</p:attrName>
+                                        </p:attrNameLst>
+                                      </p:cBhvr>
+                                      <p:to>
+                                        <p:strVal val="visible"/>
+                                      </p:to>
+                                    </p:set>
+                                    <p:animEffect transition="in" filter="fade">
+                                      <p:cBhvr>
+                                        <p:cTn id="25" dur="500"/>
+                                        <p:tgtEl>
+                                          <p:spTgt spid="9"/>
+                                        </p:tgtEl>
+                                      </p:cBhvr>
+                                    </p:animEffect>
+                                  </p:childTnLst>
+                                </p:cTn>
+                              </p:par>
+                            </p:childTnLst>
+                          </p:cTn>
+                        </p:par>
+                      </p:childTnLst>
+                    </p:cTn>
+                  </p:par>
+                  <p:par>
+                    <p:cTn id="26" fill="hold">
+                      <p:stCondLst>
+                        <p:cond delay="indefinite"/>
+                      </p:stCondLst>
+                      <p:childTnLst>
+                        <p:par>
+                          <p:cTn id="27" fill="hold">
+                            <p:stCondLst>
+                              <p:cond delay="0"/>
+                            </p:stCondLst>
+                            <p:childTnLst>
+                              <p:par>
+                                <p:cTn id="28" presetID="10" presetClass="entr" presetSubtype="0" fill="hold" nodeType="clickEffect">
+                                  <p:stCondLst>
+                                    <p:cond delay="0"/>
+                                  </p:stCondLst>
+                                  <p:childTnLst>
+                                    <p:set>
+                                      <p:cBhvr>
+                                        <p:cTn id="29" dur="1" fill="hold">
+                                          <p:stCondLst>
+                                            <p:cond delay="0"/>
+                                          </p:stCondLst>
+                                        </p:cTn>
+                                        <p:tgtEl>
+                                          <p:spTgt spid="3">
+                                            <p:txEl>
+                                              <p:pRg st="6" end="6"/>
+                                            </p:txEl>
+                                          </p:spTgt>
+                                        </p:tgtEl>
+                                        <p:attrNameLst>
+                                          <p:attrName>style.visibility</p:attrName>
+                                        </p:attrNameLst>
+                                      </p:cBhvr>
+                                      <p:to>
+                                        <p:strVal val="visible"/>
+                                      </p:to>
+                                    </p:set>
+                                    <p:animEffect transition="in" filter="fade">
+                                      <p:cBhvr>
+                                        <p:cTn id="30" dur="500"/>
+                                        <p:tgtEl>
+                                          <p:spTgt spid="3">
+                                            <p:txEl>
+                                              <p:pRg st="6" end="6"/>
+                                            </p:txEl>
+                                          </p:spTgt>
+                                        </p:tgtEl>
+                                      </p:cBhvr>
+                                    </p:animEffect>
+                                  </p:childTnLst>
+                                </p:cTn>
+                              </p:par>
+                            </p:childTnLst>
+                          </p:cTn>
+                        </p:par>
+                      </p:childTnLst>
+                    </p:cTn>
+                  </p:par>
+                  <p:par>
+                    <p:cTn id="31" fill="hold">
+                      <p:stCondLst>
+                        <p:cond delay="indefinite"/>
+                      </p:stCondLst>
+                      <p:childTnLst>
+                        <p:par>
+                          <p:cTn id="32" fill="hold">
+                            <p:stCondLst>
+                              <p:cond delay="0"/>
+                            </p:stCondLst>
+                            <p:childTnLst>
+                              <p:par>
+                                <p:cTn id="33" presetID="10" presetClass="entr" presetSubtype="0" fill="hold" nodeType="clickEffect">
+                                  <p:stCondLst>
+                                    <p:cond delay="0"/>
+                                  </p:stCondLst>
+                                  <p:childTnLst>
+                                    <p:set>
+                                      <p:cBhvr>
+                                        <p:cTn id="34" dur="1" fill="hold">
+                                          <p:stCondLst>
+                                            <p:cond delay="0"/>
+                                          </p:stCondLst>
+                                        </p:cTn>
+                                        <p:tgtEl>
+                                          <p:spTgt spid="11"/>
+                                        </p:tgtEl>
+                                        <p:attrNameLst>
+                                          <p:attrName>style.visibility</p:attrName>
+                                        </p:attrNameLst>
+                                      </p:cBhvr>
+                                      <p:to>
+                                        <p:strVal val="visible"/>
+                                      </p:to>
+                                    </p:set>
+                                    <p:animEffect transition="in" filter="fade">
+                                      <p:cBhvr>
+                                        <p:cTn id="35" dur="500"/>
+                                        <p:tgtEl>
+                                          <p:spTgt spid="11"/>
+                                        </p:tgtEl>
+                                      </p:cBhvr>
+                                    </p:animEffect>
+                                  </p:childTnLst>
+                                </p:cTn>
+                              </p:par>
+                            </p:childTnLst>
+                          </p:cTn>
+                        </p:par>
+                      </p:childTnLst>
+                    </p:cTn>
+                  </p:par>
+                  <p:par>
+                    <p:cTn id="36" fill="hold">
+                      <p:stCondLst>
+                        <p:cond delay="indefinite"/>
+                      </p:stCondLst>
+                      <p:childTnLst>
+                        <p:par>
+                          <p:cTn id="37" fill="hold">
+                            <p:stCondLst>
+                              <p:cond delay="0"/>
+                            </p:stCondLst>
+                            <p:childTnLst>
+                              <p:par>
+                                <p:cTn id="38" presetID="10" presetClass="entr" presetSubtype="0" fill="hold" nodeType="clickEffect">
+                                  <p:stCondLst>
+                                    <p:cond delay="0"/>
+                                  </p:stCondLst>
+                                  <p:childTnLst>
+                                    <p:set>
+                                      <p:cBhvr>
+                                        <p:cTn id="39" dur="1" fill="hold">
+                                          <p:stCondLst>
+                                            <p:cond delay="0"/>
+                                          </p:stCondLst>
+                                        </p:cTn>
+                                        <p:tgtEl>
+                                          <p:spTgt spid="3">
+                                            <p:txEl>
+                                              <p:pRg st="8" end="8"/>
+                                            </p:txEl>
+                                          </p:spTgt>
+                                        </p:tgtEl>
+                                        <p:attrNameLst>
+                                          <p:attrName>style.visibility</p:attrName>
+                                        </p:attrNameLst>
+                                      </p:cBhvr>
+                                      <p:to>
+                                        <p:strVal val="visible"/>
+                                      </p:to>
+                                    </p:set>
+                                    <p:animEffect transition="in" filter="fade">
+                                      <p:cBhvr>
+                                        <p:cTn id="40" dur="500"/>
+                                        <p:tgtEl>
+                                          <p:spTgt spid="3">
+                                            <p:txEl>
+                                              <p:pRg st="8" end="8"/>
+                                            </p:txEl>
+                                          </p:spTgt>
+                                        </p:tgtEl>
+                                      </p:cBhvr>
+                                    </p:animEffect>
+                                  </p:childTnLst>
+                                </p:cTn>
+                              </p:par>
+                              <p:par>
+                                <p:cTn id="41" presetID="10" presetClass="entr" presetSubtype="0" fill="hold" nodeType="withEffect">
+                                  <p:stCondLst>
+                                    <p:cond delay="0"/>
+                                  </p:stCondLst>
+                                  <p:childTnLst>
+                                    <p:set>
+                                      <p:cBhvr>
+                                        <p:cTn id="42" dur="1" fill="hold">
+                                          <p:stCondLst>
+                                            <p:cond delay="0"/>
+                                          </p:stCondLst>
+                                        </p:cTn>
+                                        <p:tgtEl>
+                                          <p:spTgt spid="3">
+                                            <p:txEl>
+                                              <p:pRg st="9" end="9"/>
+                                            </p:txEl>
+                                          </p:spTgt>
+                                        </p:tgtEl>
+                                        <p:attrNameLst>
+                                          <p:attrName>style.visibility</p:attrName>
+                                        </p:attrNameLst>
+                                      </p:cBhvr>
+                                      <p:to>
+                                        <p:strVal val="visible"/>
+                                      </p:to>
+                                    </p:set>
+                                    <p:animEffect transition="in" filter="fade">
+                                      <p:cBhvr>
+                                        <p:cTn id="43" dur="500"/>
+                                        <p:tgtEl>
+                                          <p:spTgt spid="3">
+                                            <p:txEl>
+                                              <p:pRg st="9" end="9"/>
+                                            </p:txEl>
+                                          </p:spTgt>
+                                        </p:tgtEl>
+                                      </p:cBhvr>
+                                    </p:animEffect>
+                                  </p:childTnLst>
+                                </p:cTn>
+                              </p:par>
+                            </p:childTnLst>
+                          </p:cTn>
+                        </p:par>
+                      </p:childTnLst>
+                    </p:cTn>
+                  </p:par>
+                </p:childTnLst>
+              </p:cTn>
+              <p:prevCondLst>
+                <p:cond evt="onPrev" delay="0">
+                  <p:tgtEl>
+                    <p:sldTgt/>
+                  </p:tgtEl>
+                </p:cond>
+              </p:prevCondLst>
+              <p:nextCondLst>
+                <p:cond evt="onNext" delay="0">
+                  <p:tgtEl>
+                    <p:sldTgt/>
+                  </p:tgtEl>
+                </p:cond>
+              </p:nextCondLst>
+            </p:seq>
+          </p:childTnLst>
+        </p:cTn>
+      </p:par>
+    </p:tnLst>
+  </p:timing>
 </p:sld>
 </file>
 
@@ -23453,10 +24131,39 @@
           <a:p>
             <a:pPr lvl="2"/>
             <a:r>
-              <a:rPr lang="fr-FR"/>
+              <a:rPr lang="fr-FR" dirty="0"/>
               <a:t>Fork</a:t>
             </a:r>
-            <a:endParaRPr lang="fr-FR" dirty="0"/>
+          </a:p>
+          <a:p>
+            <a:pPr lvl="3"/>
+            <a:r>
+              <a:rPr lang="fr-FR" dirty="0"/>
+              <a:t>Si on veut contribuer à un projet sur lequel on n'a pas le droit de push, on peut travailler sur une version dupliquée</a:t>
+            </a:r>
+          </a:p>
+          <a:p>
+            <a:pPr lvl="3"/>
+            <a:r>
+              <a:rPr lang="fr-FR" dirty="0"/>
+              <a:t>Une fois le code modifié, on push sur sa branche, puis on créé un « pull </a:t>
+            </a:r>
+            <a:r>
+              <a:rPr lang="fr-FR" dirty="0" err="1"/>
+              <a:t>request</a:t>
+            </a:r>
+            <a:r>
+              <a:rPr lang="fr-FR" dirty="0"/>
+              <a:t> » pour demander au « </a:t>
+            </a:r>
+            <a:r>
+              <a:rPr lang="fr-FR" dirty="0" err="1"/>
+              <a:t>maintainer</a:t>
+            </a:r>
+            <a:r>
+              <a:rPr lang="fr-FR" dirty="0"/>
+              <a:t> » du projet d’origine de vérifier la pertinence de votre code et sa plus value avant réintégration.</a:t>
+            </a:r>
           </a:p>
         </p:txBody>
       </p:sp>
@@ -23470,6 +24177,219 @@
   <p:clrMapOvr>
     <a:masterClrMapping/>
   </p:clrMapOvr>
+  <p:timing>
+    <p:tnLst>
+      <p:par>
+        <p:cTn id="1" dur="indefinite" restart="never" nodeType="tmRoot">
+          <p:childTnLst>
+            <p:seq concurrent="1" nextAc="seek">
+              <p:cTn id="2" dur="indefinite" nodeType="mainSeq">
+                <p:childTnLst>
+                  <p:par>
+                    <p:cTn id="3" fill="hold">
+                      <p:stCondLst>
+                        <p:cond delay="indefinite"/>
+                      </p:stCondLst>
+                      <p:childTnLst>
+                        <p:par>
+                          <p:cTn id="4" fill="hold">
+                            <p:stCondLst>
+                              <p:cond delay="0"/>
+                            </p:stCondLst>
+                            <p:childTnLst>
+                              <p:par>
+                                <p:cTn id="5" presetID="10" presetClass="entr" presetSubtype="0" fill="hold" nodeType="clickEffect">
+                                  <p:stCondLst>
+                                    <p:cond delay="0"/>
+                                  </p:stCondLst>
+                                  <p:childTnLst>
+                                    <p:set>
+                                      <p:cBhvr>
+                                        <p:cTn id="6" dur="1" fill="hold">
+                                          <p:stCondLst>
+                                            <p:cond delay="0"/>
+                                          </p:stCondLst>
+                                        </p:cTn>
+                                        <p:tgtEl>
+                                          <p:spTgt spid="3">
+                                            <p:txEl>
+                                              <p:pRg st="1" end="1"/>
+                                            </p:txEl>
+                                          </p:spTgt>
+                                        </p:tgtEl>
+                                        <p:attrNameLst>
+                                          <p:attrName>style.visibility</p:attrName>
+                                        </p:attrNameLst>
+                                      </p:cBhvr>
+                                      <p:to>
+                                        <p:strVal val="visible"/>
+                                      </p:to>
+                                    </p:set>
+                                    <p:animEffect transition="in" filter="fade">
+                                      <p:cBhvr>
+                                        <p:cTn id="7" dur="500"/>
+                                        <p:tgtEl>
+                                          <p:spTgt spid="3">
+                                            <p:txEl>
+                                              <p:pRg st="1" end="1"/>
+                                            </p:txEl>
+                                          </p:spTgt>
+                                        </p:tgtEl>
+                                      </p:cBhvr>
+                                    </p:animEffect>
+                                  </p:childTnLst>
+                                </p:cTn>
+                              </p:par>
+                            </p:childTnLst>
+                          </p:cTn>
+                        </p:par>
+                      </p:childTnLst>
+                    </p:cTn>
+                  </p:par>
+                  <p:par>
+                    <p:cTn id="8" fill="hold">
+                      <p:stCondLst>
+                        <p:cond delay="indefinite"/>
+                      </p:stCondLst>
+                      <p:childTnLst>
+                        <p:par>
+                          <p:cTn id="9" fill="hold">
+                            <p:stCondLst>
+                              <p:cond delay="0"/>
+                            </p:stCondLst>
+                            <p:childTnLst>
+                              <p:par>
+                                <p:cTn id="10" presetID="10" presetClass="entr" presetSubtype="0" fill="hold" nodeType="clickEffect">
+                                  <p:stCondLst>
+                                    <p:cond delay="0"/>
+                                  </p:stCondLst>
+                                  <p:childTnLst>
+                                    <p:set>
+                                      <p:cBhvr>
+                                        <p:cTn id="11" dur="1" fill="hold">
+                                          <p:stCondLst>
+                                            <p:cond delay="0"/>
+                                          </p:stCondLst>
+                                        </p:cTn>
+                                        <p:tgtEl>
+                                          <p:spTgt spid="3">
+                                            <p:txEl>
+                                              <p:pRg st="2" end="2"/>
+                                            </p:txEl>
+                                          </p:spTgt>
+                                        </p:tgtEl>
+                                        <p:attrNameLst>
+                                          <p:attrName>style.visibility</p:attrName>
+                                        </p:attrNameLst>
+                                      </p:cBhvr>
+                                      <p:to>
+                                        <p:strVal val="visible"/>
+                                      </p:to>
+                                    </p:set>
+                                    <p:animEffect transition="in" filter="fade">
+                                      <p:cBhvr>
+                                        <p:cTn id="12" dur="500"/>
+                                        <p:tgtEl>
+                                          <p:spTgt spid="3">
+                                            <p:txEl>
+                                              <p:pRg st="2" end="2"/>
+                                            </p:txEl>
+                                          </p:spTgt>
+                                        </p:tgtEl>
+                                      </p:cBhvr>
+                                    </p:animEffect>
+                                  </p:childTnLst>
+                                </p:cTn>
+                              </p:par>
+                            </p:childTnLst>
+                          </p:cTn>
+                        </p:par>
+                      </p:childTnLst>
+                    </p:cTn>
+                  </p:par>
+                  <p:par>
+                    <p:cTn id="13" fill="hold">
+                      <p:stCondLst>
+                        <p:cond delay="indefinite"/>
+                      </p:stCondLst>
+                      <p:childTnLst>
+                        <p:par>
+                          <p:cTn id="14" fill="hold">
+                            <p:stCondLst>
+                              <p:cond delay="0"/>
+                            </p:stCondLst>
+                            <p:childTnLst>
+                              <p:par>
+                                <p:cTn id="15" presetID="10" presetClass="entr" presetSubtype="0" fill="hold" nodeType="clickEffect">
+                                  <p:stCondLst>
+                                    <p:cond delay="0"/>
+                                  </p:stCondLst>
+                                  <p:childTnLst>
+                                    <p:set>
+                                      <p:cBhvr>
+                                        <p:cTn id="16" dur="1" fill="hold">
+                                          <p:stCondLst>
+                                            <p:cond delay="0"/>
+                                          </p:stCondLst>
+                                        </p:cTn>
+                                        <p:tgtEl>
+                                          <p:spTgt spid="3">
+                                            <p:txEl>
+                                              <p:pRg st="3" end="3"/>
+                                            </p:txEl>
+                                          </p:spTgt>
+                                        </p:tgtEl>
+                                        <p:attrNameLst>
+                                          <p:attrName>style.visibility</p:attrName>
+                                        </p:attrNameLst>
+                                      </p:cBhvr>
+                                      <p:to>
+                                        <p:strVal val="visible"/>
+                                      </p:to>
+                                    </p:set>
+                                    <p:animEffect transition="in" filter="fade">
+                                      <p:cBhvr>
+                                        <p:cTn id="17" dur="500"/>
+                                        <p:tgtEl>
+                                          <p:spTgt spid="3">
+                                            <p:txEl>
+                                              <p:pRg st="3" end="3"/>
+                                            </p:txEl>
+                                          </p:spTgt>
+                                        </p:tgtEl>
+                                      </p:cBhvr>
+                                    </p:animEffect>
+                                  </p:childTnLst>
+                                </p:cTn>
+                              </p:par>
+                            </p:childTnLst>
+                          </p:cTn>
+                        </p:par>
+                      </p:childTnLst>
+                    </p:cTn>
+                  </p:par>
+                </p:childTnLst>
+              </p:cTn>
+              <p:prevCondLst>
+                <p:cond evt="onPrev" delay="0">
+                  <p:tgtEl>
+                    <p:sldTgt/>
+                  </p:tgtEl>
+                </p:cond>
+              </p:prevCondLst>
+              <p:nextCondLst>
+                <p:cond evt="onNext" delay="0">
+                  <p:tgtEl>
+                    <p:sldTgt/>
+                  </p:tgtEl>
+                </p:cond>
+              </p:nextCondLst>
+            </p:seq>
+          </p:childTnLst>
+        </p:cTn>
+      </p:par>
+    </p:tnLst>
+  </p:timing>
 </p:sld>
 </file>
 

--- a/Chapitre 4.pptx
+++ b/Chapitre 4.pptx
@@ -271,7 +271,7 @@
           <a:p>
             <a:fld id="{0CFB4D9B-4D0F-4330-BE60-A3BB8C2FF8A7}" type="datetimeFigureOut">
               <a:rPr lang="fr-BE" smtClean="0"/>
-              <a:t>20-11-25</a:t>
+              <a:t>21-11-25</a:t>
             </a:fld>
             <a:endParaRPr lang="fr-BE"/>
           </a:p>
@@ -899,7 +899,7 @@
           <a:p>
             <a:fld id="{D782A682-DD39-4819-89F0-642635859CB9}" type="datetimeFigureOut">
               <a:rPr lang="fr-BE" smtClean="0"/>
-              <a:t>20-11-25</a:t>
+              <a:t>21-11-25</a:t>
             </a:fld>
             <a:endParaRPr lang="fr-BE"/>
           </a:p>
@@ -1099,7 +1099,7 @@
           <a:p>
             <a:fld id="{D782A682-DD39-4819-89F0-642635859CB9}" type="datetimeFigureOut">
               <a:rPr lang="fr-BE" smtClean="0"/>
-              <a:t>20-11-25</a:t>
+              <a:t>21-11-25</a:t>
             </a:fld>
             <a:endParaRPr lang="fr-BE"/>
           </a:p>
@@ -1309,7 +1309,7 @@
           <a:p>
             <a:fld id="{D782A682-DD39-4819-89F0-642635859CB9}" type="datetimeFigureOut">
               <a:rPr lang="fr-BE" smtClean="0"/>
-              <a:t>20-11-25</a:t>
+              <a:t>21-11-25</a:t>
             </a:fld>
             <a:endParaRPr lang="fr-BE"/>
           </a:p>
@@ -1509,7 +1509,7 @@
           <a:p>
             <a:fld id="{D782A682-DD39-4819-89F0-642635859CB9}" type="datetimeFigureOut">
               <a:rPr lang="fr-BE" smtClean="0"/>
-              <a:t>20-11-25</a:t>
+              <a:t>21-11-25</a:t>
             </a:fld>
             <a:endParaRPr lang="fr-BE"/>
           </a:p>
@@ -1785,7 +1785,7 @@
           <a:p>
             <a:fld id="{D782A682-DD39-4819-89F0-642635859CB9}" type="datetimeFigureOut">
               <a:rPr lang="fr-BE" smtClean="0"/>
-              <a:t>20-11-25</a:t>
+              <a:t>21-11-25</a:t>
             </a:fld>
             <a:endParaRPr lang="fr-BE"/>
           </a:p>
@@ -2053,7 +2053,7 @@
           <a:p>
             <a:fld id="{D782A682-DD39-4819-89F0-642635859CB9}" type="datetimeFigureOut">
               <a:rPr lang="fr-BE" smtClean="0"/>
-              <a:t>20-11-25</a:t>
+              <a:t>21-11-25</a:t>
             </a:fld>
             <a:endParaRPr lang="fr-BE"/>
           </a:p>
@@ -2468,7 +2468,7 @@
           <a:p>
             <a:fld id="{D782A682-DD39-4819-89F0-642635859CB9}" type="datetimeFigureOut">
               <a:rPr lang="fr-BE" smtClean="0"/>
-              <a:t>20-11-25</a:t>
+              <a:t>21-11-25</a:t>
             </a:fld>
             <a:endParaRPr lang="fr-BE"/>
           </a:p>
@@ -2610,7 +2610,7 @@
           <a:p>
             <a:fld id="{D782A682-DD39-4819-89F0-642635859CB9}" type="datetimeFigureOut">
               <a:rPr lang="fr-BE" smtClean="0"/>
-              <a:t>20-11-25</a:t>
+              <a:t>21-11-25</a:t>
             </a:fld>
             <a:endParaRPr lang="fr-BE"/>
           </a:p>
@@ -2723,7 +2723,7 @@
           <a:p>
             <a:fld id="{D782A682-DD39-4819-89F0-642635859CB9}" type="datetimeFigureOut">
               <a:rPr lang="fr-BE" smtClean="0"/>
-              <a:t>20-11-25</a:t>
+              <a:t>21-11-25</a:t>
             </a:fld>
             <a:endParaRPr lang="fr-BE"/>
           </a:p>
@@ -3036,7 +3036,7 @@
           <a:p>
             <a:fld id="{D782A682-DD39-4819-89F0-642635859CB9}" type="datetimeFigureOut">
               <a:rPr lang="fr-BE" smtClean="0"/>
-              <a:t>20-11-25</a:t>
+              <a:t>21-11-25</a:t>
             </a:fld>
             <a:endParaRPr lang="fr-BE"/>
           </a:p>
@@ -3325,7 +3325,7 @@
           <a:p>
             <a:fld id="{D782A682-DD39-4819-89F0-642635859CB9}" type="datetimeFigureOut">
               <a:rPr lang="fr-BE" smtClean="0"/>
-              <a:t>20-11-25</a:t>
+              <a:t>21-11-25</a:t>
             </a:fld>
             <a:endParaRPr lang="fr-BE"/>
           </a:p>
@@ -3568,7 +3568,7 @@
           <a:p>
             <a:fld id="{D782A682-DD39-4819-89F0-642635859CB9}" type="datetimeFigureOut">
               <a:rPr lang="fr-BE" smtClean="0"/>
-              <a:t>20-11-25</a:t>
+              <a:t>21-11-25</a:t>
             </a:fld>
             <a:endParaRPr lang="fr-BE"/>
           </a:p>
@@ -12962,7 +12962,14 @@
           <a:p>
             <a:pPr lvl="2"/>
             <a:r>
-              <a:rPr lang="fr-BE" dirty="0"/>
+              <a:rPr lang="fr-BE" dirty="0">
+                <a:solidFill>
+                  <a:schemeClr val="accent3">
+                    <a:lumMod val="60000"/>
+                    <a:lumOff val="40000"/>
+                  </a:schemeClr>
+                </a:solidFill>
+              </a:rPr>
               <a:t>Git init</a:t>
             </a:r>
           </a:p>
@@ -12983,8 +12990,19 @@
           <a:p>
             <a:pPr lvl="2"/>
             <a:r>
+              <a:rPr lang="fr-BE" dirty="0">
+                <a:solidFill>
+                  <a:schemeClr val="accent3">
+                    <a:lumMod val="60000"/>
+                    <a:lumOff val="40000"/>
+                  </a:schemeClr>
+                </a:solidFill>
+              </a:rPr>
+              <a:t>Git clone &lt;url&gt; </a:t>
+            </a:r>
+            <a:r>
               <a:rPr lang="fr-BE" dirty="0"/>
-              <a:t>Git clone &lt;url&gt; par ex : https://github.com/libgit2/libgit2</a:t>
+              <a:t>par ex : https://github.com/libgit2/libgit2</a:t>
             </a:r>
           </a:p>
           <a:p>
@@ -13004,7 +13022,14 @@
           <a:p>
             <a:pPr lvl="2"/>
             <a:r>
-              <a:rPr lang="fr-BE" dirty="0"/>
+              <a:rPr lang="fr-BE" dirty="0">
+                <a:solidFill>
+                  <a:schemeClr val="accent3">
+                    <a:lumMod val="60000"/>
+                    <a:lumOff val="40000"/>
+                  </a:schemeClr>
+                </a:solidFill>
+              </a:rPr>
               <a:t>Git log [--online –graph]</a:t>
             </a:r>
           </a:p>
@@ -13597,7 +13622,14 @@
           <a:p>
             <a:pPr lvl="2"/>
             <a:r>
-              <a:rPr lang="nb-NO" dirty="0"/>
+              <a:rPr lang="nb-NO" dirty="0">
+                <a:solidFill>
+                  <a:schemeClr val="accent3">
+                    <a:lumMod val="60000"/>
+                    <a:lumOff val="40000"/>
+                  </a:schemeClr>
+                </a:solidFill>
+              </a:rPr>
               <a:t>git restore</a:t>
             </a:r>
           </a:p>
@@ -13611,7 +13643,14 @@
           <a:p>
             <a:pPr lvl="2"/>
             <a:r>
-              <a:rPr lang="nb-NO" dirty="0"/>
+              <a:rPr lang="nb-NO" dirty="0">
+                <a:solidFill>
+                  <a:schemeClr val="accent3">
+                    <a:lumMod val="60000"/>
+                    <a:lumOff val="40000"/>
+                  </a:schemeClr>
+                </a:solidFill>
+              </a:rPr>
               <a:t>git reset</a:t>
             </a:r>
           </a:p>
@@ -13632,7 +13671,14 @@
           <a:p>
             <a:pPr lvl="2"/>
             <a:r>
-              <a:rPr lang="nb-NO" dirty="0"/>
+              <a:rPr lang="nb-NO" dirty="0">
+                <a:solidFill>
+                  <a:schemeClr val="accent3">
+                    <a:lumMod val="60000"/>
+                    <a:lumOff val="40000"/>
+                  </a:schemeClr>
+                </a:solidFill>
+              </a:rPr>
               <a:t>git revert</a:t>
             </a:r>
           </a:p>
@@ -14241,14 +14287,35 @@
           <a:p>
             <a:pPr lvl="3"/>
             <a:r>
-              <a:rPr lang="fr-BE" dirty="0"/>
+              <a:rPr lang="fr-BE" dirty="0">
+                <a:solidFill>
+                  <a:schemeClr val="accent3">
+                    <a:lumMod val="60000"/>
+                    <a:lumOff val="40000"/>
+                  </a:schemeClr>
+                </a:solidFill>
+              </a:rPr>
               <a:t>Git </a:t>
             </a:r>
             <a:r>
-              <a:rPr lang="fr-BE" dirty="0" err="1"/>
+              <a:rPr lang="fr-BE" dirty="0" err="1">
+                <a:solidFill>
+                  <a:schemeClr val="accent3">
+                    <a:lumMod val="60000"/>
+                    <a:lumOff val="40000"/>
+                  </a:schemeClr>
+                </a:solidFill>
+              </a:rPr>
               <a:t>fetch</a:t>
             </a:r>
-            <a:endParaRPr lang="fr-BE" dirty="0"/>
+            <a:endParaRPr lang="fr-BE" dirty="0">
+              <a:solidFill>
+                <a:schemeClr val="accent3">
+                  <a:lumMod val="60000"/>
+                  <a:lumOff val="40000"/>
+                </a:schemeClr>
+              </a:solidFill>
+            </a:endParaRPr>
           </a:p>
           <a:p>
             <a:pPr lvl="4"/>
@@ -14260,7 +14327,14 @@
           <a:p>
             <a:pPr lvl="3"/>
             <a:r>
-              <a:rPr lang="fr-BE" dirty="0"/>
+              <a:rPr lang="fr-BE" dirty="0">
+                <a:solidFill>
+                  <a:schemeClr val="accent3">
+                    <a:lumMod val="60000"/>
+                    <a:lumOff val="40000"/>
+                  </a:schemeClr>
+                </a:solidFill>
+              </a:rPr>
               <a:t>Git pull</a:t>
             </a:r>
           </a:p>
@@ -14274,7 +14348,14 @@
           <a:p>
             <a:pPr lvl="3"/>
             <a:r>
-              <a:rPr lang="fr-BE" dirty="0"/>
+              <a:rPr lang="fr-BE" dirty="0">
+                <a:solidFill>
+                  <a:schemeClr val="accent3">
+                    <a:lumMod val="60000"/>
+                    <a:lumOff val="40000"/>
+                  </a:schemeClr>
+                </a:solidFill>
+              </a:rPr>
               <a:t>Git push</a:t>
             </a:r>
           </a:p>
@@ -17456,7 +17537,7 @@
           <p:nvPr/>
         </p:nvPicPr>
         <p:blipFill>
-          <a:blip r:embed="rId4">
+          <a:blip r:embed="rId3">
             <a:extLst>
               <a:ext uri="{28A0092B-C50C-407E-A947-70E740481C1C}">
                 <a14:useLocalDpi xmlns:a14="http://schemas.microsoft.com/office/drawing/2010/main" val="0"/>
@@ -17492,7 +17573,7 @@
           <p:nvPr/>
         </p:nvPicPr>
         <p:blipFill>
-          <a:blip r:embed="rId5">
+          <a:blip r:embed="rId4">
             <a:extLst>
               <a:ext uri="{28A0092B-C50C-407E-A947-70E740481C1C}">
                 <a14:useLocalDpi xmlns:a14="http://schemas.microsoft.com/office/drawing/2010/main" val="0"/>
@@ -17528,7 +17609,7 @@
           <p:nvPr/>
         </p:nvPicPr>
         <p:blipFill>
-          <a:blip r:embed="rId6">
+          <a:blip r:embed="rId5">
             <a:extLst>
               <a:ext uri="{28A0092B-C50C-407E-A947-70E740481C1C}">
                 <a14:useLocalDpi xmlns:a14="http://schemas.microsoft.com/office/drawing/2010/main" val="0"/>
@@ -17917,7 +17998,7 @@
   </p:timing>
   <p:extLst>
     <p:ext uri="{6950BFC3-D8DA-4A85-94F7-54DA5524770B}">
-      <p188:commentRel xmlns:p188="http://schemas.microsoft.com/office/powerpoint/2018/8/main" r:id="rId3"/>
+      <p188:commentRel xmlns:p188="http://schemas.microsoft.com/office/powerpoint/2018/8/main" xmlns="" r:id="rId6"/>
     </p:ext>
   </p:extLst>
 </p:sld>
